--- a/preroll_pts2021 - 16x9.pptx
+++ b/preroll_pts2021 - 16x9.pptx
@@ -66,7 +66,7 @@
         <p:spPr>
           <a:xfrm>
             <a:off x="685800" y="1597680"/>
-            <a:ext cx="7771680" cy="1101960"/>
+            <a:ext cx="7771320" cy="1101600"/>
           </a:xfrm>
           <a:prstGeom prst="rect">
             <a:avLst/>
@@ -97,7 +97,7 @@
         <p:spPr>
           <a:xfrm>
             <a:off x="457200" y="1203840"/>
-            <a:ext cx="8229240" cy="1423080"/>
+            <a:ext cx="8228880" cy="1422720"/>
           </a:xfrm>
           <a:prstGeom prst="rect">
             <a:avLst/>
@@ -126,8 +126,8 @@
         </p:nvSpPr>
         <p:spPr>
           <a:xfrm>
-            <a:off x="457200" y="2762640"/>
-            <a:ext cx="8229240" cy="1423080"/>
+            <a:off x="457200" y="2762280"/>
+            <a:ext cx="8228880" cy="1422720"/>
           </a:xfrm>
           <a:prstGeom prst="rect">
             <a:avLst/>
@@ -179,7 +179,7 @@
         <p:spPr>
           <a:xfrm>
             <a:off x="685800" y="1597680"/>
-            <a:ext cx="7771680" cy="1101960"/>
+            <a:ext cx="7771320" cy="1101600"/>
           </a:xfrm>
           <a:prstGeom prst="rect">
             <a:avLst/>
@@ -210,7 +210,7 @@
         <p:spPr>
           <a:xfrm>
             <a:off x="457200" y="1203840"/>
-            <a:ext cx="4015800" cy="1423080"/>
+            <a:ext cx="4015440" cy="1422720"/>
           </a:xfrm>
           <a:prstGeom prst="rect">
             <a:avLst/>
@@ -239,8 +239,8 @@
         </p:nvSpPr>
         <p:spPr>
           <a:xfrm>
-            <a:off x="4674240" y="1203840"/>
-            <a:ext cx="4015800" cy="1423080"/>
+            <a:off x="4673880" y="1203840"/>
+            <a:ext cx="4015440" cy="1422720"/>
           </a:xfrm>
           <a:prstGeom prst="rect">
             <a:avLst/>
@@ -269,8 +269,8 @@
         </p:nvSpPr>
         <p:spPr>
           <a:xfrm>
-            <a:off x="457200" y="2762640"/>
-            <a:ext cx="4015800" cy="1423080"/>
+            <a:off x="457200" y="2762280"/>
+            <a:ext cx="4015440" cy="1422720"/>
           </a:xfrm>
           <a:prstGeom prst="rect">
             <a:avLst/>
@@ -299,8 +299,8 @@
         </p:nvSpPr>
         <p:spPr>
           <a:xfrm>
-            <a:off x="4674240" y="2762640"/>
-            <a:ext cx="4015800" cy="1423080"/>
+            <a:off x="4673880" y="2762280"/>
+            <a:ext cx="4015440" cy="1422720"/>
           </a:xfrm>
           <a:prstGeom prst="rect">
             <a:avLst/>
@@ -352,7 +352,7 @@
         <p:spPr>
           <a:xfrm>
             <a:off x="685800" y="1597680"/>
-            <a:ext cx="7771680" cy="1101960"/>
+            <a:ext cx="7771320" cy="1101600"/>
           </a:xfrm>
           <a:prstGeom prst="rect">
             <a:avLst/>
@@ -383,7 +383,7 @@
         <p:spPr>
           <a:xfrm>
             <a:off x="457200" y="1203840"/>
-            <a:ext cx="2649600" cy="1423080"/>
+            <a:ext cx="2649600" cy="1422720"/>
           </a:xfrm>
           <a:prstGeom prst="rect">
             <a:avLst/>
@@ -413,7 +413,7 @@
         <p:spPr>
           <a:xfrm>
             <a:off x="3239640" y="1203840"/>
-            <a:ext cx="2649600" cy="1423080"/>
+            <a:ext cx="2649600" cy="1422720"/>
           </a:xfrm>
           <a:prstGeom prst="rect">
             <a:avLst/>
@@ -443,7 +443,7 @@
         <p:spPr>
           <a:xfrm>
             <a:off x="6022080" y="1203840"/>
-            <a:ext cx="2649600" cy="1423080"/>
+            <a:ext cx="2649600" cy="1422720"/>
           </a:xfrm>
           <a:prstGeom prst="rect">
             <a:avLst/>
@@ -472,8 +472,8 @@
         </p:nvSpPr>
         <p:spPr>
           <a:xfrm>
-            <a:off x="457200" y="2762640"/>
-            <a:ext cx="2649600" cy="1423080"/>
+            <a:off x="457200" y="2762280"/>
+            <a:ext cx="2649600" cy="1422720"/>
           </a:xfrm>
           <a:prstGeom prst="rect">
             <a:avLst/>
@@ -502,8 +502,8 @@
         </p:nvSpPr>
         <p:spPr>
           <a:xfrm>
-            <a:off x="3239640" y="2762640"/>
-            <a:ext cx="2649600" cy="1423080"/>
+            <a:off x="3239640" y="2762280"/>
+            <a:ext cx="2649600" cy="1422720"/>
           </a:xfrm>
           <a:prstGeom prst="rect">
             <a:avLst/>
@@ -532,8 +532,8 @@
         </p:nvSpPr>
         <p:spPr>
           <a:xfrm>
-            <a:off x="6022080" y="2762640"/>
-            <a:ext cx="2649600" cy="1423080"/>
+            <a:off x="6022080" y="2762280"/>
+            <a:ext cx="2649600" cy="1422720"/>
           </a:xfrm>
           <a:prstGeom prst="rect">
             <a:avLst/>
@@ -585,7 +585,7 @@
         <p:spPr>
           <a:xfrm>
             <a:off x="685800" y="1597680"/>
-            <a:ext cx="7771680" cy="1101960"/>
+            <a:ext cx="7771320" cy="1101600"/>
           </a:xfrm>
           <a:prstGeom prst="rect">
             <a:avLst/>
@@ -616,7 +616,7 @@
         <p:spPr>
           <a:xfrm>
             <a:off x="457200" y="1203840"/>
-            <a:ext cx="8229240" cy="2983680"/>
+            <a:ext cx="8228880" cy="2983320"/>
           </a:xfrm>
           <a:prstGeom prst="rect">
             <a:avLst/>
@@ -669,7 +669,7 @@
         <p:spPr>
           <a:xfrm>
             <a:off x="685800" y="1597680"/>
-            <a:ext cx="7771680" cy="1101960"/>
+            <a:ext cx="7771320" cy="1101600"/>
           </a:xfrm>
           <a:prstGeom prst="rect">
             <a:avLst/>
@@ -700,7 +700,7 @@
         <p:spPr>
           <a:xfrm>
             <a:off x="457200" y="1203840"/>
-            <a:ext cx="8229240" cy="2983680"/>
+            <a:ext cx="8228880" cy="2983320"/>
           </a:xfrm>
           <a:prstGeom prst="rect">
             <a:avLst/>
@@ -752,7 +752,7 @@
         <p:spPr>
           <a:xfrm>
             <a:off x="685800" y="1597680"/>
-            <a:ext cx="7771680" cy="1101960"/>
+            <a:ext cx="7771320" cy="1101600"/>
           </a:xfrm>
           <a:prstGeom prst="rect">
             <a:avLst/>
@@ -783,7 +783,7 @@
         <p:spPr>
           <a:xfrm>
             <a:off x="457200" y="1203840"/>
-            <a:ext cx="4015800" cy="2983680"/>
+            <a:ext cx="4015440" cy="2983320"/>
           </a:xfrm>
           <a:prstGeom prst="rect">
             <a:avLst/>
@@ -812,8 +812,8 @@
         </p:nvSpPr>
         <p:spPr>
           <a:xfrm>
-            <a:off x="4674240" y="1203840"/>
-            <a:ext cx="4015800" cy="2983680"/>
+            <a:off x="4673880" y="1203840"/>
+            <a:ext cx="4015440" cy="2983320"/>
           </a:xfrm>
           <a:prstGeom prst="rect">
             <a:avLst/>
@@ -865,7 +865,7 @@
         <p:spPr>
           <a:xfrm>
             <a:off x="685800" y="1597680"/>
-            <a:ext cx="7771680" cy="1101960"/>
+            <a:ext cx="7771320" cy="1101600"/>
           </a:xfrm>
           <a:prstGeom prst="rect">
             <a:avLst/>
@@ -918,7 +918,7 @@
         <p:spPr>
           <a:xfrm>
             <a:off x="685800" y="1597680"/>
-            <a:ext cx="7771680" cy="5109480"/>
+            <a:ext cx="7771320" cy="5107680"/>
           </a:xfrm>
           <a:prstGeom prst="rect">
             <a:avLst/>
@@ -971,7 +971,7 @@
         <p:spPr>
           <a:xfrm>
             <a:off x="685800" y="1597680"/>
-            <a:ext cx="7771680" cy="1101960"/>
+            <a:ext cx="7771320" cy="1101600"/>
           </a:xfrm>
           <a:prstGeom prst="rect">
             <a:avLst/>
@@ -1002,7 +1002,7 @@
         <p:spPr>
           <a:xfrm>
             <a:off x="457200" y="1203840"/>
-            <a:ext cx="4015800" cy="1423080"/>
+            <a:ext cx="4015440" cy="1422720"/>
           </a:xfrm>
           <a:prstGeom prst="rect">
             <a:avLst/>
@@ -1031,8 +1031,8 @@
         </p:nvSpPr>
         <p:spPr>
           <a:xfrm>
-            <a:off x="4674240" y="1203840"/>
-            <a:ext cx="4015800" cy="2983680"/>
+            <a:off x="4673880" y="1203840"/>
+            <a:ext cx="4015440" cy="2983320"/>
           </a:xfrm>
           <a:prstGeom prst="rect">
             <a:avLst/>
@@ -1061,8 +1061,8 @@
         </p:nvSpPr>
         <p:spPr>
           <a:xfrm>
-            <a:off x="457200" y="2762640"/>
-            <a:ext cx="4015800" cy="1423080"/>
+            <a:off x="457200" y="2762280"/>
+            <a:ext cx="4015440" cy="1422720"/>
           </a:xfrm>
           <a:prstGeom prst="rect">
             <a:avLst/>
@@ -1114,7 +1114,7 @@
         <p:spPr>
           <a:xfrm>
             <a:off x="685800" y="1597680"/>
-            <a:ext cx="7771680" cy="1101960"/>
+            <a:ext cx="7771320" cy="1101600"/>
           </a:xfrm>
           <a:prstGeom prst="rect">
             <a:avLst/>
@@ -1145,7 +1145,7 @@
         <p:spPr>
           <a:xfrm>
             <a:off x="457200" y="1203840"/>
-            <a:ext cx="4015800" cy="2983680"/>
+            <a:ext cx="4015440" cy="2983320"/>
           </a:xfrm>
           <a:prstGeom prst="rect">
             <a:avLst/>
@@ -1174,8 +1174,8 @@
         </p:nvSpPr>
         <p:spPr>
           <a:xfrm>
-            <a:off x="4674240" y="1203840"/>
-            <a:ext cx="4015800" cy="1423080"/>
+            <a:off x="4673880" y="1203840"/>
+            <a:ext cx="4015440" cy="1422720"/>
           </a:xfrm>
           <a:prstGeom prst="rect">
             <a:avLst/>
@@ -1204,8 +1204,8 @@
         </p:nvSpPr>
         <p:spPr>
           <a:xfrm>
-            <a:off x="4674240" y="2762640"/>
-            <a:ext cx="4015800" cy="1423080"/>
+            <a:off x="4673880" y="2762280"/>
+            <a:ext cx="4015440" cy="1422720"/>
           </a:xfrm>
           <a:prstGeom prst="rect">
             <a:avLst/>
@@ -1257,7 +1257,7 @@
         <p:spPr>
           <a:xfrm>
             <a:off x="685800" y="1597680"/>
-            <a:ext cx="7771680" cy="1101960"/>
+            <a:ext cx="7771320" cy="1101600"/>
           </a:xfrm>
           <a:prstGeom prst="rect">
             <a:avLst/>
@@ -1288,7 +1288,7 @@
         <p:spPr>
           <a:xfrm>
             <a:off x="457200" y="1203840"/>
-            <a:ext cx="4015800" cy="1423080"/>
+            <a:ext cx="4015440" cy="1422720"/>
           </a:xfrm>
           <a:prstGeom prst="rect">
             <a:avLst/>
@@ -1317,8 +1317,8 @@
         </p:nvSpPr>
         <p:spPr>
           <a:xfrm>
-            <a:off x="4674240" y="1203840"/>
-            <a:ext cx="4015800" cy="1423080"/>
+            <a:off x="4673880" y="1203840"/>
+            <a:ext cx="4015440" cy="1422720"/>
           </a:xfrm>
           <a:prstGeom prst="rect">
             <a:avLst/>
@@ -1347,8 +1347,8 @@
         </p:nvSpPr>
         <p:spPr>
           <a:xfrm>
-            <a:off x="457200" y="2762640"/>
-            <a:ext cx="8229240" cy="1423080"/>
+            <a:off x="457200" y="2762280"/>
+            <a:ext cx="8228880" cy="1422720"/>
           </a:xfrm>
           <a:prstGeom prst="rect">
             <a:avLst/>
@@ -1408,7 +1408,7 @@
         <p:spPr>
           <a:xfrm>
             <a:off x="685800" y="1597680"/>
-            <a:ext cx="7771680" cy="1101960"/>
+            <a:ext cx="7771320" cy="1101600"/>
           </a:xfrm>
           <a:prstGeom prst="rect">
             <a:avLst/>
@@ -1423,79 +1423,7 @@
               <a:rPr b="0" lang="fr-BE" sz="1800" spc="-1" strike="noStrike">
                 <a:latin typeface="Arial"/>
               </a:rPr>
-              <a:t>Cliq</a:t>
-            </a:r>
-            <a:r>
-              <a:rPr b="0" lang="fr-BE" sz="1800" spc="-1" strike="noStrike">
-                <a:latin typeface="Arial"/>
-              </a:rPr>
-              <a:t>uez </a:t>
-            </a:r>
-            <a:r>
-              <a:rPr b="0" lang="fr-BE" sz="1800" spc="-1" strike="noStrike">
-                <a:latin typeface="Arial"/>
-              </a:rPr>
-              <a:t>pou</a:t>
-            </a:r>
-            <a:r>
-              <a:rPr b="0" lang="fr-BE" sz="1800" spc="-1" strike="noStrike">
-                <a:latin typeface="Arial"/>
-              </a:rPr>
-              <a:t>r </a:t>
-            </a:r>
-            <a:r>
-              <a:rPr b="0" lang="fr-BE" sz="1800" spc="-1" strike="noStrike">
-                <a:latin typeface="Arial"/>
-              </a:rPr>
-              <a:t>édit</a:t>
-            </a:r>
-            <a:r>
-              <a:rPr b="0" lang="fr-BE" sz="1800" spc="-1" strike="noStrike">
-                <a:latin typeface="Arial"/>
-              </a:rPr>
-              <a:t>er </a:t>
-            </a:r>
-            <a:r>
-              <a:rPr b="0" lang="fr-BE" sz="1800" spc="-1" strike="noStrike">
-                <a:latin typeface="Arial"/>
-              </a:rPr>
-              <a:t>le </a:t>
-            </a:r>
-            <a:r>
-              <a:rPr b="0" lang="fr-BE" sz="1800" spc="-1" strike="noStrike">
-                <a:latin typeface="Arial"/>
-              </a:rPr>
-              <a:t>for</a:t>
-            </a:r>
-            <a:r>
-              <a:rPr b="0" lang="fr-BE" sz="1800" spc="-1" strike="noStrike">
-                <a:latin typeface="Arial"/>
-              </a:rPr>
-              <a:t>mat </a:t>
-            </a:r>
-            <a:r>
-              <a:rPr b="0" lang="fr-BE" sz="1800" spc="-1" strike="noStrike">
-                <a:latin typeface="Arial"/>
-              </a:rPr>
-              <a:t>du </a:t>
-            </a:r>
-            <a:r>
-              <a:rPr b="0" lang="fr-BE" sz="1800" spc="-1" strike="noStrike">
-                <a:latin typeface="Arial"/>
-              </a:rPr>
-              <a:t>text</a:t>
-            </a:r>
-            <a:r>
-              <a:rPr b="0" lang="fr-BE" sz="1800" spc="-1" strike="noStrike">
-                <a:latin typeface="Arial"/>
-              </a:rPr>
-              <a:t>e-</a:t>
-            </a:r>
-            <a:r>
-              <a:rPr b="0" lang="fr-BE" sz="1800" spc="-1" strike="noStrike">
-                <a:latin typeface="Arial"/>
-              </a:rPr>
-              <a:t>titre</a:t>
+              <a:t>Cliquez pour éditer le format du texte-titre</a:t>
             </a:r>
             <a:endParaRPr b="0" lang="fr-BE" sz="1800" spc="-1" strike="noStrike">
               <a:latin typeface="Arial"/>
@@ -1516,7 +1444,7 @@
         <p:spPr>
           <a:xfrm>
             <a:off x="457200" y="1203840"/>
-            <a:ext cx="8229240" cy="2983680"/>
+            <a:ext cx="8228880" cy="2983320"/>
           </a:xfrm>
           <a:prstGeom prst="rect">
             <a:avLst/>
@@ -1524,7 +1452,7 @@
         </p:spPr>
         <p:txBody>
           <a:bodyPr lIns="0" rIns="0" tIns="0" bIns="0">
-            <a:normAutofit fontScale="80000"/>
+            <a:normAutofit/>
           </a:bodyPr>
           <a:p>
             <a:pPr marL="432000" indent="-324000">
@@ -1539,12 +1467,12 @@
               <a:buChar char=""/>
             </a:pPr>
             <a:r>
-              <a:rPr b="0" lang="fr-BE" sz="3200" spc="-1" strike="noStrike">
+              <a:rPr b="0" lang="fr-BE" sz="1800" spc="-1" strike="noStrike">
                 <a:latin typeface="Arial"/>
               </a:rPr>
               <a:t>Cliquez pour éditer le format du plan de texte</a:t>
             </a:r>
-            <a:endParaRPr b="0" lang="fr-BE" sz="3200" spc="-1" strike="noStrike">
+            <a:endParaRPr b="0" lang="fr-BE" sz="1800" spc="-1" strike="noStrike">
               <a:latin typeface="Arial"/>
             </a:endParaRPr>
           </a:p>
@@ -1561,12 +1489,12 @@
               <a:buChar char=""/>
             </a:pPr>
             <a:r>
-              <a:rPr b="0" lang="fr-BE" sz="2800" spc="-1" strike="noStrike">
+              <a:rPr b="0" lang="fr-BE" sz="1800" spc="-1" strike="noStrike">
                 <a:latin typeface="Arial"/>
               </a:rPr>
               <a:t>Second niveau de plan</a:t>
             </a:r>
-            <a:endParaRPr b="0" lang="fr-BE" sz="2800" spc="-1" strike="noStrike">
+            <a:endParaRPr b="0" lang="fr-BE" sz="1800" spc="-1" strike="noStrike">
               <a:latin typeface="Arial"/>
             </a:endParaRPr>
           </a:p>
@@ -1583,12 +1511,12 @@
               <a:buChar char=""/>
             </a:pPr>
             <a:r>
-              <a:rPr b="0" lang="fr-BE" sz="2400" spc="-1" strike="noStrike">
+              <a:rPr b="0" lang="fr-BE" sz="1800" spc="-1" strike="noStrike">
                 <a:latin typeface="Arial"/>
               </a:rPr>
               <a:t>Troisième niveau de plan</a:t>
             </a:r>
-            <a:endParaRPr b="0" lang="fr-BE" sz="2400" spc="-1" strike="noStrike">
+            <a:endParaRPr b="0" lang="fr-BE" sz="1800" spc="-1" strike="noStrike">
               <a:latin typeface="Arial"/>
             </a:endParaRPr>
           </a:p>
@@ -1605,12 +1533,12 @@
               <a:buChar char=""/>
             </a:pPr>
             <a:r>
-              <a:rPr b="0" lang="fr-BE" sz="2000" spc="-1" strike="noStrike">
+              <a:rPr b="0" lang="fr-BE" sz="1800" spc="-1" strike="noStrike">
                 <a:latin typeface="Arial"/>
               </a:rPr>
               <a:t>Quatrième niveau de plan</a:t>
             </a:r>
-            <a:endParaRPr b="0" lang="fr-BE" sz="2000" spc="-1" strike="noStrike">
+            <a:endParaRPr b="0" lang="fr-BE" sz="1800" spc="-1" strike="noStrike">
               <a:latin typeface="Arial"/>
             </a:endParaRPr>
           </a:p>
@@ -1627,12 +1555,12 @@
               <a:buChar char=""/>
             </a:pPr>
             <a:r>
-              <a:rPr b="0" lang="fr-BE" sz="2000" spc="-1" strike="noStrike">
+              <a:rPr b="0" lang="fr-BE" sz="1800" spc="-1" strike="noStrike">
                 <a:latin typeface="Arial"/>
               </a:rPr>
               <a:t>Cinquième niveau de plan</a:t>
             </a:r>
-            <a:endParaRPr b="0" lang="fr-BE" sz="2000" spc="-1" strike="noStrike">
+            <a:endParaRPr b="0" lang="fr-BE" sz="1800" spc="-1" strike="noStrike">
               <a:latin typeface="Arial"/>
             </a:endParaRPr>
           </a:p>
@@ -1649,12 +1577,12 @@
               <a:buChar char=""/>
             </a:pPr>
             <a:r>
-              <a:rPr b="0" lang="fr-BE" sz="2000" spc="-1" strike="noStrike">
+              <a:rPr b="0" lang="fr-BE" sz="1800" spc="-1" strike="noStrike">
                 <a:latin typeface="Arial"/>
               </a:rPr>
               <a:t>Sixième niveau de plan</a:t>
             </a:r>
-            <a:endParaRPr b="0" lang="fr-BE" sz="2000" spc="-1" strike="noStrike">
+            <a:endParaRPr b="0" lang="fr-BE" sz="1800" spc="-1" strike="noStrike">
               <a:latin typeface="Arial"/>
             </a:endParaRPr>
           </a:p>
@@ -1671,12 +1599,12 @@
               <a:buChar char=""/>
             </a:pPr>
             <a:r>
-              <a:rPr b="0" lang="fr-BE" sz="2000" spc="-1" strike="noStrike">
+              <a:rPr b="0" lang="fr-BE" sz="1800" spc="-1" strike="noStrike">
                 <a:latin typeface="Arial"/>
               </a:rPr>
               <a:t>Septième niveau de plan</a:t>
             </a:r>
-            <a:endParaRPr b="0" lang="fr-BE" sz="2000" spc="-1" strike="noStrike">
+            <a:endParaRPr b="0" lang="fr-BE" sz="1800" spc="-1" strike="noStrike">
               <a:latin typeface="Arial"/>
             </a:endParaRPr>
           </a:p>
@@ -1728,7 +1656,7 @@
         <p:spPr>
           <a:xfrm>
             <a:off x="0" y="4035960"/>
-            <a:ext cx="9143280" cy="1095480"/>
+            <a:ext cx="9142920" cy="1095120"/>
           </a:xfrm>
           <a:prstGeom prst="rect">
             <a:avLst/>
@@ -1783,7 +1711,7 @@
         <p:spPr>
           <a:xfrm>
             <a:off x="3406320" y="195480"/>
-            <a:ext cx="2330640" cy="3609360"/>
+            <a:ext cx="2330280" cy="3609000"/>
           </a:xfrm>
           <a:prstGeom prst="rect">
             <a:avLst/>
@@ -1831,8 +1759,8 @@
         </p:nvSpPr>
         <p:spPr>
           <a:xfrm flipH="1">
-            <a:off x="-1440" y="938520"/>
-            <a:ext cx="9143280" cy="4205160"/>
+            <a:off x="-2160" y="938520"/>
+            <a:ext cx="9142920" cy="4204800"/>
           </a:xfrm>
           <a:prstGeom prst="rect">
             <a:avLst/>
@@ -1944,7 +1872,7 @@
         <p:spPr>
           <a:xfrm>
             <a:off x="13320" y="-132840"/>
-            <a:ext cx="9116280" cy="1095840"/>
+            <a:ext cx="9115920" cy="1095480"/>
           </a:xfrm>
           <a:prstGeom prst="rect">
             <a:avLst/>
@@ -1995,7 +1923,7 @@
         <p:spPr>
           <a:xfrm>
             <a:off x="1800" y="938520"/>
-            <a:ext cx="581040" cy="1006920"/>
+            <a:ext cx="580680" cy="1006560"/>
           </a:xfrm>
           <a:prstGeom prst="rect">
             <a:avLst/>
@@ -2014,7 +1942,7 @@
           <a:fontRef idx="minor"/>
         </p:style>
         <p:txBody>
-          <a:bodyPr lIns="45000" rIns="45000" tIns="90000" bIns="90000" anchor="ctr" anchorCtr="1" vert="vert270" rot="16200000">
+          <a:bodyPr lIns="90000" rIns="90000" tIns="45000" bIns="45000" anchor="ctr" anchorCtr="1" vert="vert270" rot="16200000">
             <a:noAutofit/>
           </a:bodyPr>
           <a:p>
@@ -2024,7 +1952,7 @@
               </a:lnSpc>
             </a:pPr>
             <a:r>
-              <a:rPr b="0" lang="fr-FR" sz="1800" spc="-1" strike="noStrike">
+              <a:rPr b="0" lang="fr-FR" sz="1600" spc="-1" strike="noStrike">
                 <a:solidFill>
                   <a:srgbClr val="ffffff"/>
                 </a:solidFill>
@@ -2033,7 +1961,7 @@
               </a:rPr>
               <a:t>Platinum</a:t>
             </a:r>
-            <a:endParaRPr b="0" lang="fr-BE" sz="1800" spc="-1" strike="noStrike">
+            <a:endParaRPr b="0" lang="fr-BE" sz="1600" spc="-1" strike="noStrike">
               <a:latin typeface="Arial"/>
             </a:endParaRPr>
           </a:p>
@@ -2048,7 +1976,7 @@
         <p:spPr>
           <a:xfrm>
             <a:off x="1800" y="1946160"/>
-            <a:ext cx="581040" cy="1524960"/>
+            <a:ext cx="580680" cy="1524600"/>
           </a:xfrm>
           <a:prstGeom prst="rect">
             <a:avLst/>
@@ -2067,7 +1995,7 @@
           <a:fontRef idx="minor"/>
         </p:style>
         <p:txBody>
-          <a:bodyPr lIns="45000" rIns="45000" tIns="90000" bIns="90000" anchor="ctr" anchorCtr="1" vert="vert270" rot="16200000">
+          <a:bodyPr lIns="90000" rIns="90000" tIns="45000" bIns="45000" anchor="ctr" anchorCtr="1" vert="vert270" rot="16200000">
             <a:noAutofit/>
           </a:bodyPr>
           <a:p>
@@ -2101,7 +2029,7 @@
         <p:spPr>
           <a:xfrm>
             <a:off x="1800" y="3471840"/>
-            <a:ext cx="581040" cy="756000"/>
+            <a:ext cx="580680" cy="755640"/>
           </a:xfrm>
           <a:prstGeom prst="rect">
             <a:avLst/>
@@ -2120,7 +2048,7 @@
           <a:fontRef idx="minor"/>
         </p:style>
         <p:txBody>
-          <a:bodyPr lIns="45000" rIns="45000" tIns="90000" bIns="90000" anchor="ctr" anchorCtr="1" vert="vert270" rot="16200000">
+          <a:bodyPr lIns="90000" rIns="90000" tIns="45000" bIns="45000" anchor="ctr" anchorCtr="1" vert="vert270" rot="16200000">
             <a:noAutofit/>
           </a:bodyPr>
           <a:p>
@@ -2154,7 +2082,7 @@
         <p:spPr>
           <a:xfrm>
             <a:off x="1800" y="4228200"/>
-            <a:ext cx="581040" cy="914760"/>
+            <a:ext cx="580680" cy="914400"/>
           </a:xfrm>
           <a:prstGeom prst="rect">
             <a:avLst/>
@@ -2173,7 +2101,7 @@
           <a:fontRef idx="minor"/>
         </p:style>
         <p:txBody>
-          <a:bodyPr lIns="45000" rIns="45000" tIns="90000" bIns="90000" anchor="ctr" anchorCtr="1" vert="vert270" rot="16200000">
+          <a:bodyPr lIns="90000" rIns="90000" tIns="45000" bIns="45000" anchor="ctr" anchorCtr="1" vert="vert270" rot="16200000">
             <a:noAutofit/>
           </a:bodyPr>
           <a:p>
@@ -2211,7 +2139,7 @@
         <p:spPr>
           <a:xfrm>
             <a:off x="4752000" y="2160000"/>
-            <a:ext cx="1829520" cy="469440"/>
+            <a:ext cx="1829160" cy="469080"/>
           </a:xfrm>
           <a:prstGeom prst="rect">
             <a:avLst/>
@@ -2234,7 +2162,7 @@
         <p:spPr>
           <a:xfrm>
             <a:off x="1393560" y="2068920"/>
-            <a:ext cx="1460520" cy="477000"/>
+            <a:ext cx="1460160" cy="476640"/>
           </a:xfrm>
           <a:prstGeom prst="rect">
             <a:avLst/>
@@ -2257,7 +2185,7 @@
         <p:spPr>
           <a:xfrm>
             <a:off x="3778200" y="4485240"/>
-            <a:ext cx="1338120" cy="366120"/>
+            <a:ext cx="1337760" cy="365760"/>
           </a:xfrm>
           <a:prstGeom prst="rect">
             <a:avLst/>
@@ -2280,7 +2208,7 @@
         <p:spPr>
           <a:xfrm>
             <a:off x="6173640" y="2808000"/>
-            <a:ext cx="1926000" cy="477000"/>
+            <a:ext cx="1925640" cy="476640"/>
           </a:xfrm>
           <a:prstGeom prst="rect">
             <a:avLst/>
@@ -2303,7 +2231,7 @@
         <p:spPr>
           <a:xfrm>
             <a:off x="3571920" y="3724200"/>
-            <a:ext cx="1751040" cy="343800"/>
+            <a:ext cx="1750680" cy="343440"/>
           </a:xfrm>
           <a:prstGeom prst="rect">
             <a:avLst/>
@@ -2325,8 +2253,8 @@
         </p:blipFill>
         <p:spPr>
           <a:xfrm>
-            <a:off x="2880000" y="1069560"/>
-            <a:ext cx="3117240" cy="802080"/>
+            <a:off x="1080000" y="1069560"/>
+            <a:ext cx="3116880" cy="801720"/>
           </a:xfrm>
           <a:prstGeom prst="rect">
             <a:avLst/>
@@ -2349,7 +2277,7 @@
         <p:spPr>
           <a:xfrm>
             <a:off x="3189600" y="2542680"/>
-            <a:ext cx="914040" cy="914040"/>
+            <a:ext cx="913680" cy="913680"/>
           </a:xfrm>
           <a:prstGeom prst="rect">
             <a:avLst/>
@@ -2372,7 +2300,7 @@
         <p:spPr>
           <a:xfrm>
             <a:off x="1379520" y="4392000"/>
-            <a:ext cx="1428120" cy="613800"/>
+            <a:ext cx="1427760" cy="613440"/>
           </a:xfrm>
           <a:prstGeom prst="rect">
             <a:avLst/>
@@ -2395,7 +2323,30 @@
         <p:spPr>
           <a:xfrm>
             <a:off x="6048000" y="4246200"/>
-            <a:ext cx="2015640" cy="864720"/>
+            <a:ext cx="2015280" cy="864360"/>
+          </a:xfrm>
+          <a:prstGeom prst="rect">
+            <a:avLst/>
+          </a:prstGeom>
+          <a:ln w="0">
+            <a:noFill/>
+          </a:ln>
+        </p:spPr>
+      </p:pic>
+      <p:pic>
+        <p:nvPicPr>
+          <p:cNvPr id="58" name="" descr=""/>
+          <p:cNvPicPr/>
+          <p:nvPr/>
+        </p:nvPicPr>
+        <p:blipFill>
+          <a:blip r:embed="rId10"/>
+          <a:stretch/>
+        </p:blipFill>
+        <p:spPr>
+          <a:xfrm>
+            <a:off x="4824000" y="1152000"/>
+            <a:ext cx="3960000" cy="681840"/>
           </a:xfrm>
           <a:prstGeom prst="rect">
             <a:avLst/>
@@ -2437,14 +2388,14 @@
       </p:grpSpPr>
       <p:sp>
         <p:nvSpPr>
-          <p:cNvPr id="58" name="CustomShape 1"/>
+          <p:cNvPr id="59" name="CustomShape 1"/>
           <p:cNvSpPr/>
           <p:nvPr/>
         </p:nvSpPr>
         <p:spPr>
           <a:xfrm>
             <a:off x="0" y="1869120"/>
-            <a:ext cx="9143280" cy="1095480"/>
+            <a:ext cx="9142920" cy="1095120"/>
           </a:xfrm>
           <a:prstGeom prst="rect">
             <a:avLst/>

--- a/preroll_pts2021 - 16x9.pptx
+++ b/preroll_pts2021 - 16x9.pptx
@@ -1,21 +1,121 @@
 
 <file path=ppt/presentation.xml><?xml version="1.0" encoding="utf-8"?>
-<p:presentation xmlns:a="http://schemas.openxmlformats.org/drawingml/2006/main" xmlns:p="http://schemas.openxmlformats.org/presentationml/2006/main" xmlns:r="http://schemas.openxmlformats.org/officeDocument/2006/relationships" xmlns:p14="http://schemas.microsoft.com/office/powerpoint/2010/main" xmlns:p15="http://schemas.microsoft.com/office/powerpoint/2012/main" xmlns:mc="http://schemas.openxmlformats.org/markup-compatibility/2006">
+<p:presentation xmlns:a="http://schemas.openxmlformats.org/drawingml/2006/main" xmlns:r="http://schemas.openxmlformats.org/officeDocument/2006/relationships" xmlns:p="http://schemas.openxmlformats.org/presentationml/2006/main">
   <p:sldMasterIdLst>
-    <p:sldMasterId id="2147483648" r:id="rId2"/>
+    <p:sldMasterId id="2147483648" r:id="rId1"/>
   </p:sldMasterIdLst>
   <p:sldIdLst>
-    <p:sldId id="256" r:id="rId3"/>
-    <p:sldId id="257" r:id="rId4"/>
-    <p:sldId id="258" r:id="rId5"/>
+    <p:sldId id="256" r:id="rId2"/>
+    <p:sldId id="257" r:id="rId3"/>
+    <p:sldId id="258" r:id="rId4"/>
   </p:sldIdLst>
-  <p:sldSz cx="9144000" cy="5145087"/>
-  <p:notesSz cx="7559675" cy="10691812"/>
+  <p:sldSz cx="9144000" cy="5145088"/>
+  <p:notesSz cx="7559675" cy="10691813"/>
+  <p:defaultTextStyle>
+    <a:defPPr>
+      <a:defRPr lang="en-US"/>
+    </a:defPPr>
+    <a:lvl1pPr marL="0" algn="l" defTabSz="914400" rtl="0" eaLnBrk="1" latinLnBrk="0" hangingPunct="1">
+      <a:defRPr sz="1800" kern="1200">
+        <a:solidFill>
+          <a:schemeClr val="tx1"/>
+        </a:solidFill>
+        <a:latin typeface="+mn-lt"/>
+        <a:ea typeface="+mn-ea"/>
+        <a:cs typeface="+mn-cs"/>
+      </a:defRPr>
+    </a:lvl1pPr>
+    <a:lvl2pPr marL="457200" algn="l" defTabSz="914400" rtl="0" eaLnBrk="1" latinLnBrk="0" hangingPunct="1">
+      <a:defRPr sz="1800" kern="1200">
+        <a:solidFill>
+          <a:schemeClr val="tx1"/>
+        </a:solidFill>
+        <a:latin typeface="+mn-lt"/>
+        <a:ea typeface="+mn-ea"/>
+        <a:cs typeface="+mn-cs"/>
+      </a:defRPr>
+    </a:lvl2pPr>
+    <a:lvl3pPr marL="914400" algn="l" defTabSz="914400" rtl="0" eaLnBrk="1" latinLnBrk="0" hangingPunct="1">
+      <a:defRPr sz="1800" kern="1200">
+        <a:solidFill>
+          <a:schemeClr val="tx1"/>
+        </a:solidFill>
+        <a:latin typeface="+mn-lt"/>
+        <a:ea typeface="+mn-ea"/>
+        <a:cs typeface="+mn-cs"/>
+      </a:defRPr>
+    </a:lvl3pPr>
+    <a:lvl4pPr marL="1371600" algn="l" defTabSz="914400" rtl="0" eaLnBrk="1" latinLnBrk="0" hangingPunct="1">
+      <a:defRPr sz="1800" kern="1200">
+        <a:solidFill>
+          <a:schemeClr val="tx1"/>
+        </a:solidFill>
+        <a:latin typeface="+mn-lt"/>
+        <a:ea typeface="+mn-ea"/>
+        <a:cs typeface="+mn-cs"/>
+      </a:defRPr>
+    </a:lvl4pPr>
+    <a:lvl5pPr marL="1828800" algn="l" defTabSz="914400" rtl="0" eaLnBrk="1" latinLnBrk="0" hangingPunct="1">
+      <a:defRPr sz="1800" kern="1200">
+        <a:solidFill>
+          <a:schemeClr val="tx1"/>
+        </a:solidFill>
+        <a:latin typeface="+mn-lt"/>
+        <a:ea typeface="+mn-ea"/>
+        <a:cs typeface="+mn-cs"/>
+      </a:defRPr>
+    </a:lvl5pPr>
+    <a:lvl6pPr marL="2286000" algn="l" defTabSz="914400" rtl="0" eaLnBrk="1" latinLnBrk="0" hangingPunct="1">
+      <a:defRPr sz="1800" kern="1200">
+        <a:solidFill>
+          <a:schemeClr val="tx1"/>
+        </a:solidFill>
+        <a:latin typeface="+mn-lt"/>
+        <a:ea typeface="+mn-ea"/>
+        <a:cs typeface="+mn-cs"/>
+      </a:defRPr>
+    </a:lvl6pPr>
+    <a:lvl7pPr marL="2743200" algn="l" defTabSz="914400" rtl="0" eaLnBrk="1" latinLnBrk="0" hangingPunct="1">
+      <a:defRPr sz="1800" kern="1200">
+        <a:solidFill>
+          <a:schemeClr val="tx1"/>
+        </a:solidFill>
+        <a:latin typeface="+mn-lt"/>
+        <a:ea typeface="+mn-ea"/>
+        <a:cs typeface="+mn-cs"/>
+      </a:defRPr>
+    </a:lvl7pPr>
+    <a:lvl8pPr marL="3200400" algn="l" defTabSz="914400" rtl="0" eaLnBrk="1" latinLnBrk="0" hangingPunct="1">
+      <a:defRPr sz="1800" kern="1200">
+        <a:solidFill>
+          <a:schemeClr val="tx1"/>
+        </a:solidFill>
+        <a:latin typeface="+mn-lt"/>
+        <a:ea typeface="+mn-ea"/>
+        <a:cs typeface="+mn-cs"/>
+      </a:defRPr>
+    </a:lvl8pPr>
+    <a:lvl9pPr marL="3657600" algn="l" defTabSz="914400" rtl="0" eaLnBrk="1" latinLnBrk="0" hangingPunct="1">
+      <a:defRPr sz="1800" kern="1200">
+        <a:solidFill>
+          <a:schemeClr val="tx1"/>
+        </a:solidFill>
+        <a:latin typeface="+mn-lt"/>
+        <a:ea typeface="+mn-ea"/>
+        <a:cs typeface="+mn-cs"/>
+      </a:defRPr>
+    </a:lvl9pPr>
+  </p:defaultTextStyle>
+  <p:extLst>
+    <p:ext uri="{EFAFB233-063F-42B5-8137-9DF3F51BA10A}">
+      <p15:sldGuideLst xmlns:p15="http://schemas.microsoft.com/office/powerpoint/2012/main"/>
+    </p:ext>
+  </p:extLst>
 </p:presentation>
 </file>
 
 <file path=ppt/slideLayouts/slideLayout1.xml><?xml version="1.0" encoding="utf-8"?>
-<p:sldLayout xmlns:a="http://schemas.openxmlformats.org/drawingml/2006/main" xmlns:p="http://schemas.openxmlformats.org/presentationml/2006/main" xmlns:r="http://schemas.openxmlformats.org/officeDocument/2006/relationships" xmlns:p14="http://schemas.microsoft.com/office/powerpoint/2010/main" xmlns:p15="http://schemas.microsoft.com/office/powerpoint/2012/main" xmlns:mc="http://schemas.openxmlformats.org/markup-compatibility/2006" type="blank" preserve="1">
+<p:sldLayout xmlns:a="http://schemas.openxmlformats.org/drawingml/2006/main" xmlns:r="http://schemas.openxmlformats.org/officeDocument/2006/relationships" xmlns:p="http://schemas.openxmlformats.org/presentationml/2006/main" type="blank" preserve="1">
   <p:cSld name="Blank Slide">
     <p:spTree>
       <p:nvGrpSpPr>
@@ -33,11 +133,14 @@
       </p:grpSpPr>
     </p:spTree>
   </p:cSld>
+  <p:clrMapOvr>
+    <a:masterClrMapping/>
+  </p:clrMapOvr>
 </p:sldLayout>
 </file>
 
 <file path=ppt/slideLayouts/slideLayout10.xml><?xml version="1.0" encoding="utf-8"?>
-<p:sldLayout xmlns:a="http://schemas.openxmlformats.org/drawingml/2006/main" xmlns:p="http://schemas.openxmlformats.org/presentationml/2006/main" xmlns:r="http://schemas.openxmlformats.org/officeDocument/2006/relationships" xmlns:p14="http://schemas.microsoft.com/office/powerpoint/2010/main" xmlns:p15="http://schemas.microsoft.com/office/powerpoint/2012/main" xmlns:mc="http://schemas.openxmlformats.org/markup-compatibility/2006" type="objOverTx" preserve="1">
+<p:sldLayout xmlns:a="http://schemas.openxmlformats.org/drawingml/2006/main" xmlns:r="http://schemas.openxmlformats.org/officeDocument/2006/relationships" xmlns:p="http://schemas.openxmlformats.org/presentationml/2006/main" type="objOverTx" preserve="1">
   <p:cSld name="Title, Content over Content">
     <p:spTree>
       <p:nvGrpSpPr>
@@ -73,12 +176,13 @@
           </a:prstGeom>
         </p:spPr>
         <p:txBody>
-          <a:bodyPr lIns="0" rIns="0" tIns="0" bIns="0" anchor="ctr">
+          <a:bodyPr lIns="0" tIns="0" rIns="0" bIns="0" anchor="ctr">
             <a:noAutofit/>
           </a:bodyPr>
+          <a:lstStyle/>
           <a:p>
             <a:pPr algn="ctr"/>
-            <a:endParaRPr b="0" lang="fr-BE" sz="4400" spc="-1" strike="noStrike">
+            <a:endParaRPr lang="fr-BE" sz="4400" b="0" strike="noStrike" spc="-1">
               <a:latin typeface="Arial"/>
             </a:endParaRPr>
           </a:p>
@@ -104,11 +208,12 @@
           </a:prstGeom>
         </p:spPr>
         <p:txBody>
-          <a:bodyPr lIns="0" rIns="0" tIns="0" bIns="0">
+          <a:bodyPr lIns="0" tIns="0" rIns="0" bIns="0">
             <a:normAutofit/>
           </a:bodyPr>
-          <a:p>
-            <a:endParaRPr b="0" lang="fr-BE" sz="3200" spc="-1" strike="noStrike">
+          <a:lstStyle/>
+          <a:p>
+            <a:endParaRPr lang="fr-BE" sz="3200" b="0" strike="noStrike" spc="-1">
               <a:latin typeface="Arial"/>
             </a:endParaRPr>
           </a:p>
@@ -134,11 +239,12 @@
           </a:prstGeom>
         </p:spPr>
         <p:txBody>
-          <a:bodyPr lIns="0" rIns="0" tIns="0" bIns="0">
+          <a:bodyPr lIns="0" tIns="0" rIns="0" bIns="0">
             <a:normAutofit/>
           </a:bodyPr>
-          <a:p>
-            <a:endParaRPr b="0" lang="fr-BE" sz="3200" spc="-1" strike="noStrike">
+          <a:lstStyle/>
+          <a:p>
+            <a:endParaRPr lang="fr-BE" sz="3200" b="0" strike="noStrike" spc="-1">
               <a:latin typeface="Arial"/>
             </a:endParaRPr>
           </a:p>
@@ -146,11 +252,14 @@
       </p:sp>
     </p:spTree>
   </p:cSld>
+  <p:clrMapOvr>
+    <a:masterClrMapping/>
+  </p:clrMapOvr>
 </p:sldLayout>
 </file>
 
 <file path=ppt/slideLayouts/slideLayout11.xml><?xml version="1.0" encoding="utf-8"?>
-<p:sldLayout xmlns:a="http://schemas.openxmlformats.org/drawingml/2006/main" xmlns:p="http://schemas.openxmlformats.org/presentationml/2006/main" xmlns:r="http://schemas.openxmlformats.org/officeDocument/2006/relationships" xmlns:p14="http://schemas.microsoft.com/office/powerpoint/2010/main" xmlns:p15="http://schemas.microsoft.com/office/powerpoint/2012/main" xmlns:mc="http://schemas.openxmlformats.org/markup-compatibility/2006" type="fourObj" preserve="1">
+<p:sldLayout xmlns:a="http://schemas.openxmlformats.org/drawingml/2006/main" xmlns:r="http://schemas.openxmlformats.org/officeDocument/2006/relationships" xmlns:p="http://schemas.openxmlformats.org/presentationml/2006/main" type="fourObj" preserve="1">
   <p:cSld name="Title, 4 Content">
     <p:spTree>
       <p:nvGrpSpPr>
@@ -186,12 +295,13 @@
           </a:prstGeom>
         </p:spPr>
         <p:txBody>
-          <a:bodyPr lIns="0" rIns="0" tIns="0" bIns="0" anchor="ctr">
+          <a:bodyPr lIns="0" tIns="0" rIns="0" bIns="0" anchor="ctr">
             <a:noAutofit/>
           </a:bodyPr>
+          <a:lstStyle/>
           <a:p>
             <a:pPr algn="ctr"/>
-            <a:endParaRPr b="0" lang="fr-BE" sz="4400" spc="-1" strike="noStrike">
+            <a:endParaRPr lang="fr-BE" sz="4400" b="0" strike="noStrike" spc="-1">
               <a:latin typeface="Arial"/>
             </a:endParaRPr>
           </a:p>
@@ -217,11 +327,12 @@
           </a:prstGeom>
         </p:spPr>
         <p:txBody>
-          <a:bodyPr lIns="0" rIns="0" tIns="0" bIns="0">
+          <a:bodyPr lIns="0" tIns="0" rIns="0" bIns="0">
             <a:normAutofit/>
           </a:bodyPr>
-          <a:p>
-            <a:endParaRPr b="0" lang="fr-BE" sz="3200" spc="-1" strike="noStrike">
+          <a:lstStyle/>
+          <a:p>
+            <a:endParaRPr lang="fr-BE" sz="3200" b="0" strike="noStrike" spc="-1">
               <a:latin typeface="Arial"/>
             </a:endParaRPr>
           </a:p>
@@ -247,11 +358,12 @@
           </a:prstGeom>
         </p:spPr>
         <p:txBody>
-          <a:bodyPr lIns="0" rIns="0" tIns="0" bIns="0">
+          <a:bodyPr lIns="0" tIns="0" rIns="0" bIns="0">
             <a:normAutofit/>
           </a:bodyPr>
-          <a:p>
-            <a:endParaRPr b="0" lang="fr-BE" sz="3200" spc="-1" strike="noStrike">
+          <a:lstStyle/>
+          <a:p>
+            <a:endParaRPr lang="fr-BE" sz="3200" b="0" strike="noStrike" spc="-1">
               <a:latin typeface="Arial"/>
             </a:endParaRPr>
           </a:p>
@@ -277,11 +389,12 @@
           </a:prstGeom>
         </p:spPr>
         <p:txBody>
-          <a:bodyPr lIns="0" rIns="0" tIns="0" bIns="0">
+          <a:bodyPr lIns="0" tIns="0" rIns="0" bIns="0">
             <a:normAutofit/>
           </a:bodyPr>
-          <a:p>
-            <a:endParaRPr b="0" lang="fr-BE" sz="3200" spc="-1" strike="noStrike">
+          <a:lstStyle/>
+          <a:p>
+            <a:endParaRPr lang="fr-BE" sz="3200" b="0" strike="noStrike" spc="-1">
               <a:latin typeface="Arial"/>
             </a:endParaRPr>
           </a:p>
@@ -307,11 +420,12 @@
           </a:prstGeom>
         </p:spPr>
         <p:txBody>
-          <a:bodyPr lIns="0" rIns="0" tIns="0" bIns="0">
+          <a:bodyPr lIns="0" tIns="0" rIns="0" bIns="0">
             <a:normAutofit/>
           </a:bodyPr>
-          <a:p>
-            <a:endParaRPr b="0" lang="fr-BE" sz="3200" spc="-1" strike="noStrike">
+          <a:lstStyle/>
+          <a:p>
+            <a:endParaRPr lang="fr-BE" sz="3200" b="0" strike="noStrike" spc="-1">
               <a:latin typeface="Arial"/>
             </a:endParaRPr>
           </a:p>
@@ -319,11 +433,14 @@
       </p:sp>
     </p:spTree>
   </p:cSld>
+  <p:clrMapOvr>
+    <a:masterClrMapping/>
+  </p:clrMapOvr>
 </p:sldLayout>
 </file>
 
 <file path=ppt/slideLayouts/slideLayout12.xml><?xml version="1.0" encoding="utf-8"?>
-<p:sldLayout xmlns:a="http://schemas.openxmlformats.org/drawingml/2006/main" xmlns:p="http://schemas.openxmlformats.org/presentationml/2006/main" xmlns:r="http://schemas.openxmlformats.org/officeDocument/2006/relationships" xmlns:p14="http://schemas.microsoft.com/office/powerpoint/2010/main" xmlns:p15="http://schemas.microsoft.com/office/powerpoint/2012/main" xmlns:mc="http://schemas.openxmlformats.org/markup-compatibility/2006" type="blank" preserve="1">
+<p:sldLayout xmlns:a="http://schemas.openxmlformats.org/drawingml/2006/main" xmlns:r="http://schemas.openxmlformats.org/officeDocument/2006/relationships" xmlns:p="http://schemas.openxmlformats.org/presentationml/2006/main" type="blank" preserve="1">
   <p:cSld name="Title, 6 Content">
     <p:spTree>
       <p:nvGrpSpPr>
@@ -359,12 +476,13 @@
           </a:prstGeom>
         </p:spPr>
         <p:txBody>
-          <a:bodyPr lIns="0" rIns="0" tIns="0" bIns="0" anchor="ctr">
+          <a:bodyPr lIns="0" tIns="0" rIns="0" bIns="0" anchor="ctr">
             <a:noAutofit/>
           </a:bodyPr>
+          <a:lstStyle/>
           <a:p>
             <a:pPr algn="ctr"/>
-            <a:endParaRPr b="0" lang="fr-BE" sz="4400" spc="-1" strike="noStrike">
+            <a:endParaRPr lang="fr-BE" sz="4400" b="0" strike="noStrike" spc="-1">
               <a:latin typeface="Arial"/>
             </a:endParaRPr>
           </a:p>
@@ -390,11 +508,12 @@
           </a:prstGeom>
         </p:spPr>
         <p:txBody>
-          <a:bodyPr lIns="0" rIns="0" tIns="0" bIns="0">
+          <a:bodyPr lIns="0" tIns="0" rIns="0" bIns="0">
             <a:normAutofit/>
           </a:bodyPr>
-          <a:p>
-            <a:endParaRPr b="0" lang="fr-BE" sz="3200" spc="-1" strike="noStrike">
+          <a:lstStyle/>
+          <a:p>
+            <a:endParaRPr lang="fr-BE" sz="3200" b="0" strike="noStrike" spc="-1">
               <a:latin typeface="Arial"/>
             </a:endParaRPr>
           </a:p>
@@ -420,11 +539,12 @@
           </a:prstGeom>
         </p:spPr>
         <p:txBody>
-          <a:bodyPr lIns="0" rIns="0" tIns="0" bIns="0">
+          <a:bodyPr lIns="0" tIns="0" rIns="0" bIns="0">
             <a:normAutofit/>
           </a:bodyPr>
-          <a:p>
-            <a:endParaRPr b="0" lang="fr-BE" sz="3200" spc="-1" strike="noStrike">
+          <a:lstStyle/>
+          <a:p>
+            <a:endParaRPr lang="fr-BE" sz="3200" b="0" strike="noStrike" spc="-1">
               <a:latin typeface="Arial"/>
             </a:endParaRPr>
           </a:p>
@@ -450,11 +570,12 @@
           </a:prstGeom>
         </p:spPr>
         <p:txBody>
-          <a:bodyPr lIns="0" rIns="0" tIns="0" bIns="0">
+          <a:bodyPr lIns="0" tIns="0" rIns="0" bIns="0">
             <a:normAutofit/>
           </a:bodyPr>
-          <a:p>
-            <a:endParaRPr b="0" lang="fr-BE" sz="3200" spc="-1" strike="noStrike">
+          <a:lstStyle/>
+          <a:p>
+            <a:endParaRPr lang="fr-BE" sz="3200" b="0" strike="noStrike" spc="-1">
               <a:latin typeface="Arial"/>
             </a:endParaRPr>
           </a:p>
@@ -480,11 +601,12 @@
           </a:prstGeom>
         </p:spPr>
         <p:txBody>
-          <a:bodyPr lIns="0" rIns="0" tIns="0" bIns="0">
+          <a:bodyPr lIns="0" tIns="0" rIns="0" bIns="0">
             <a:normAutofit/>
           </a:bodyPr>
-          <a:p>
-            <a:endParaRPr b="0" lang="fr-BE" sz="3200" spc="-1" strike="noStrike">
+          <a:lstStyle/>
+          <a:p>
+            <a:endParaRPr lang="fr-BE" sz="3200" b="0" strike="noStrike" spc="-1">
               <a:latin typeface="Arial"/>
             </a:endParaRPr>
           </a:p>
@@ -510,11 +632,12 @@
           </a:prstGeom>
         </p:spPr>
         <p:txBody>
-          <a:bodyPr lIns="0" rIns="0" tIns="0" bIns="0">
+          <a:bodyPr lIns="0" tIns="0" rIns="0" bIns="0">
             <a:normAutofit/>
           </a:bodyPr>
-          <a:p>
-            <a:endParaRPr b="0" lang="fr-BE" sz="3200" spc="-1" strike="noStrike">
+          <a:lstStyle/>
+          <a:p>
+            <a:endParaRPr lang="fr-BE" sz="3200" b="0" strike="noStrike" spc="-1">
               <a:latin typeface="Arial"/>
             </a:endParaRPr>
           </a:p>
@@ -540,11 +663,12 @@
           </a:prstGeom>
         </p:spPr>
         <p:txBody>
-          <a:bodyPr lIns="0" rIns="0" tIns="0" bIns="0">
+          <a:bodyPr lIns="0" tIns="0" rIns="0" bIns="0">
             <a:normAutofit/>
           </a:bodyPr>
-          <a:p>
-            <a:endParaRPr b="0" lang="fr-BE" sz="3200" spc="-1" strike="noStrike">
+          <a:lstStyle/>
+          <a:p>
+            <a:endParaRPr lang="fr-BE" sz="3200" b="0" strike="noStrike" spc="-1">
               <a:latin typeface="Arial"/>
             </a:endParaRPr>
           </a:p>
@@ -552,11 +676,14 @@
       </p:sp>
     </p:spTree>
   </p:cSld>
+  <p:clrMapOvr>
+    <a:masterClrMapping/>
+  </p:clrMapOvr>
 </p:sldLayout>
 </file>
 
 <file path=ppt/slideLayouts/slideLayout2.xml><?xml version="1.0" encoding="utf-8"?>
-<p:sldLayout xmlns:a="http://schemas.openxmlformats.org/drawingml/2006/main" xmlns:p="http://schemas.openxmlformats.org/presentationml/2006/main" xmlns:r="http://schemas.openxmlformats.org/officeDocument/2006/relationships" xmlns:p14="http://schemas.microsoft.com/office/powerpoint/2010/main" xmlns:p15="http://schemas.microsoft.com/office/powerpoint/2012/main" xmlns:mc="http://schemas.openxmlformats.org/markup-compatibility/2006" type="tx" preserve="1">
+<p:sldLayout xmlns:a="http://schemas.openxmlformats.org/drawingml/2006/main" xmlns:r="http://schemas.openxmlformats.org/officeDocument/2006/relationships" xmlns:p="http://schemas.openxmlformats.org/presentationml/2006/main" type="tx" preserve="1">
   <p:cSld name="Title Slide">
     <p:spTree>
       <p:nvGrpSpPr>
@@ -592,12 +719,13 @@
           </a:prstGeom>
         </p:spPr>
         <p:txBody>
-          <a:bodyPr lIns="0" rIns="0" tIns="0" bIns="0" anchor="ctr">
+          <a:bodyPr lIns="0" tIns="0" rIns="0" bIns="0" anchor="ctr">
             <a:noAutofit/>
           </a:bodyPr>
+          <a:lstStyle/>
           <a:p>
             <a:pPr algn="ctr"/>
-            <a:endParaRPr b="0" lang="fr-BE" sz="4400" spc="-1" strike="noStrike">
+            <a:endParaRPr lang="fr-BE" sz="4400" b="0" strike="noStrike" spc="-1">
               <a:latin typeface="Arial"/>
             </a:endParaRPr>
           </a:p>
@@ -623,12 +751,13 @@
           </a:prstGeom>
         </p:spPr>
         <p:txBody>
-          <a:bodyPr lIns="0" rIns="0" tIns="0" bIns="0" anchor="ctr">
+          <a:bodyPr lIns="0" tIns="0" rIns="0" bIns="0" anchor="ctr">
             <a:noAutofit/>
           </a:bodyPr>
+          <a:lstStyle/>
           <a:p>
             <a:pPr algn="ctr"/>
-            <a:endParaRPr b="0" lang="fr-BE" sz="3200" spc="-1" strike="noStrike">
+            <a:endParaRPr lang="fr-BE" sz="3200" b="0" strike="noStrike" spc="-1">
               <a:latin typeface="Arial"/>
             </a:endParaRPr>
           </a:p>
@@ -636,11 +765,14 @@
       </p:sp>
     </p:spTree>
   </p:cSld>
+  <p:clrMapOvr>
+    <a:masterClrMapping/>
+  </p:clrMapOvr>
 </p:sldLayout>
 </file>
 
 <file path=ppt/slideLayouts/slideLayout3.xml><?xml version="1.0" encoding="utf-8"?>
-<p:sldLayout xmlns:a="http://schemas.openxmlformats.org/drawingml/2006/main" xmlns:p="http://schemas.openxmlformats.org/presentationml/2006/main" xmlns:r="http://schemas.openxmlformats.org/officeDocument/2006/relationships" xmlns:p14="http://schemas.microsoft.com/office/powerpoint/2010/main" xmlns:p15="http://schemas.microsoft.com/office/powerpoint/2012/main" xmlns:mc="http://schemas.openxmlformats.org/markup-compatibility/2006" type="obj" preserve="1">
+<p:sldLayout xmlns:a="http://schemas.openxmlformats.org/drawingml/2006/main" xmlns:r="http://schemas.openxmlformats.org/officeDocument/2006/relationships" xmlns:p="http://schemas.openxmlformats.org/presentationml/2006/main" type="obj" preserve="1">
   <p:cSld name="Title, Content">
     <p:spTree>
       <p:nvGrpSpPr>
@@ -676,12 +808,13 @@
           </a:prstGeom>
         </p:spPr>
         <p:txBody>
-          <a:bodyPr lIns="0" rIns="0" tIns="0" bIns="0" anchor="ctr">
+          <a:bodyPr lIns="0" tIns="0" rIns="0" bIns="0" anchor="ctr">
             <a:noAutofit/>
           </a:bodyPr>
+          <a:lstStyle/>
           <a:p>
             <a:pPr algn="ctr"/>
-            <a:endParaRPr b="0" lang="fr-BE" sz="4400" spc="-1" strike="noStrike">
+            <a:endParaRPr lang="fr-BE" sz="4400" b="0" strike="noStrike" spc="-1">
               <a:latin typeface="Arial"/>
             </a:endParaRPr>
           </a:p>
@@ -707,11 +840,12 @@
           </a:prstGeom>
         </p:spPr>
         <p:txBody>
-          <a:bodyPr lIns="0" rIns="0" tIns="0" bIns="0">
+          <a:bodyPr lIns="0" tIns="0" rIns="0" bIns="0">
             <a:normAutofit/>
           </a:bodyPr>
-          <a:p>
-            <a:endParaRPr b="0" lang="fr-BE" sz="3200" spc="-1" strike="noStrike">
+          <a:lstStyle/>
+          <a:p>
+            <a:endParaRPr lang="fr-BE" sz="3200" b="0" strike="noStrike" spc="-1">
               <a:latin typeface="Arial"/>
             </a:endParaRPr>
           </a:p>
@@ -719,11 +853,14 @@
       </p:sp>
     </p:spTree>
   </p:cSld>
+  <p:clrMapOvr>
+    <a:masterClrMapping/>
+  </p:clrMapOvr>
 </p:sldLayout>
 </file>
 
 <file path=ppt/slideLayouts/slideLayout4.xml><?xml version="1.0" encoding="utf-8"?>
-<p:sldLayout xmlns:a="http://schemas.openxmlformats.org/drawingml/2006/main" xmlns:p="http://schemas.openxmlformats.org/presentationml/2006/main" xmlns:r="http://schemas.openxmlformats.org/officeDocument/2006/relationships" xmlns:p14="http://schemas.microsoft.com/office/powerpoint/2010/main" xmlns:p15="http://schemas.microsoft.com/office/powerpoint/2012/main" xmlns:mc="http://schemas.openxmlformats.org/markup-compatibility/2006" type="twoObj" preserve="1">
+<p:sldLayout xmlns:a="http://schemas.openxmlformats.org/drawingml/2006/main" xmlns:r="http://schemas.openxmlformats.org/officeDocument/2006/relationships" xmlns:p="http://schemas.openxmlformats.org/presentationml/2006/main" type="twoObj" preserve="1">
   <p:cSld name="Title, 2 Content">
     <p:spTree>
       <p:nvGrpSpPr>
@@ -759,12 +896,13 @@
           </a:prstGeom>
         </p:spPr>
         <p:txBody>
-          <a:bodyPr lIns="0" rIns="0" tIns="0" bIns="0" anchor="ctr">
+          <a:bodyPr lIns="0" tIns="0" rIns="0" bIns="0" anchor="ctr">
             <a:noAutofit/>
           </a:bodyPr>
+          <a:lstStyle/>
           <a:p>
             <a:pPr algn="ctr"/>
-            <a:endParaRPr b="0" lang="fr-BE" sz="4400" spc="-1" strike="noStrike">
+            <a:endParaRPr lang="fr-BE" sz="4400" b="0" strike="noStrike" spc="-1">
               <a:latin typeface="Arial"/>
             </a:endParaRPr>
           </a:p>
@@ -790,11 +928,12 @@
           </a:prstGeom>
         </p:spPr>
         <p:txBody>
-          <a:bodyPr lIns="0" rIns="0" tIns="0" bIns="0">
+          <a:bodyPr lIns="0" tIns="0" rIns="0" bIns="0">
             <a:normAutofit/>
           </a:bodyPr>
-          <a:p>
-            <a:endParaRPr b="0" lang="fr-BE" sz="3200" spc="-1" strike="noStrike">
+          <a:lstStyle/>
+          <a:p>
+            <a:endParaRPr lang="fr-BE" sz="3200" b="0" strike="noStrike" spc="-1">
               <a:latin typeface="Arial"/>
             </a:endParaRPr>
           </a:p>
@@ -820,11 +959,12 @@
           </a:prstGeom>
         </p:spPr>
         <p:txBody>
-          <a:bodyPr lIns="0" rIns="0" tIns="0" bIns="0">
+          <a:bodyPr lIns="0" tIns="0" rIns="0" bIns="0">
             <a:normAutofit/>
           </a:bodyPr>
-          <a:p>
-            <a:endParaRPr b="0" lang="fr-BE" sz="3200" spc="-1" strike="noStrike">
+          <a:lstStyle/>
+          <a:p>
+            <a:endParaRPr lang="fr-BE" sz="3200" b="0" strike="noStrike" spc="-1">
               <a:latin typeface="Arial"/>
             </a:endParaRPr>
           </a:p>
@@ -832,11 +972,14 @@
       </p:sp>
     </p:spTree>
   </p:cSld>
+  <p:clrMapOvr>
+    <a:masterClrMapping/>
+  </p:clrMapOvr>
 </p:sldLayout>
 </file>
 
 <file path=ppt/slideLayouts/slideLayout5.xml><?xml version="1.0" encoding="utf-8"?>
-<p:sldLayout xmlns:a="http://schemas.openxmlformats.org/drawingml/2006/main" xmlns:p="http://schemas.openxmlformats.org/presentationml/2006/main" xmlns:r="http://schemas.openxmlformats.org/officeDocument/2006/relationships" xmlns:p14="http://schemas.microsoft.com/office/powerpoint/2010/main" xmlns:p15="http://schemas.microsoft.com/office/powerpoint/2012/main" xmlns:mc="http://schemas.openxmlformats.org/markup-compatibility/2006" type="titleOnly" preserve="1">
+<p:sldLayout xmlns:a="http://schemas.openxmlformats.org/drawingml/2006/main" xmlns:r="http://schemas.openxmlformats.org/officeDocument/2006/relationships" xmlns:p="http://schemas.openxmlformats.org/presentationml/2006/main" type="titleOnly" preserve="1">
   <p:cSld name="Title Only">
     <p:spTree>
       <p:nvGrpSpPr>
@@ -872,12 +1015,13 @@
           </a:prstGeom>
         </p:spPr>
         <p:txBody>
-          <a:bodyPr lIns="0" rIns="0" tIns="0" bIns="0" anchor="ctr">
+          <a:bodyPr lIns="0" tIns="0" rIns="0" bIns="0" anchor="ctr">
             <a:noAutofit/>
           </a:bodyPr>
+          <a:lstStyle/>
           <a:p>
             <a:pPr algn="ctr"/>
-            <a:endParaRPr b="0" lang="fr-BE" sz="4400" spc="-1" strike="noStrike">
+            <a:endParaRPr lang="fr-BE" sz="4400" b="0" strike="noStrike" spc="-1">
               <a:latin typeface="Arial"/>
             </a:endParaRPr>
           </a:p>
@@ -885,11 +1029,14 @@
       </p:sp>
     </p:spTree>
   </p:cSld>
+  <p:clrMapOvr>
+    <a:masterClrMapping/>
+  </p:clrMapOvr>
 </p:sldLayout>
 </file>
 
 <file path=ppt/slideLayouts/slideLayout6.xml><?xml version="1.0" encoding="utf-8"?>
-<p:sldLayout xmlns:a="http://schemas.openxmlformats.org/drawingml/2006/main" xmlns:p="http://schemas.openxmlformats.org/presentationml/2006/main" xmlns:r="http://schemas.openxmlformats.org/officeDocument/2006/relationships" xmlns:p14="http://schemas.microsoft.com/office/powerpoint/2010/main" xmlns:p15="http://schemas.microsoft.com/office/powerpoint/2012/main" xmlns:mc="http://schemas.openxmlformats.org/markup-compatibility/2006" type="objOnly" preserve="1">
+<p:sldLayout xmlns:a="http://schemas.openxmlformats.org/drawingml/2006/main" xmlns:r="http://schemas.openxmlformats.org/officeDocument/2006/relationships" xmlns:p="http://schemas.openxmlformats.org/presentationml/2006/main" type="objOnly" preserve="1">
   <p:cSld name="Centered Text">
     <p:spTree>
       <p:nvGrpSpPr>
@@ -925,12 +1072,13 @@
           </a:prstGeom>
         </p:spPr>
         <p:txBody>
-          <a:bodyPr lIns="0" rIns="0" tIns="0" bIns="0" anchor="ctr">
+          <a:bodyPr lIns="0" tIns="0" rIns="0" bIns="0" anchor="ctr">
             <a:noAutofit/>
           </a:bodyPr>
+          <a:lstStyle/>
           <a:p>
             <a:pPr algn="ctr"/>
-            <a:endParaRPr b="0" lang="fr-BE" sz="3200" spc="-1" strike="noStrike">
+            <a:endParaRPr lang="fr-BE" sz="3200" b="0" strike="noStrike" spc="-1">
               <a:latin typeface="Arial"/>
             </a:endParaRPr>
           </a:p>
@@ -938,11 +1086,14 @@
       </p:sp>
     </p:spTree>
   </p:cSld>
+  <p:clrMapOvr>
+    <a:masterClrMapping/>
+  </p:clrMapOvr>
 </p:sldLayout>
 </file>
 
 <file path=ppt/slideLayouts/slideLayout7.xml><?xml version="1.0" encoding="utf-8"?>
-<p:sldLayout xmlns:a="http://schemas.openxmlformats.org/drawingml/2006/main" xmlns:p="http://schemas.openxmlformats.org/presentationml/2006/main" xmlns:r="http://schemas.openxmlformats.org/officeDocument/2006/relationships" xmlns:p14="http://schemas.microsoft.com/office/powerpoint/2010/main" xmlns:p15="http://schemas.microsoft.com/office/powerpoint/2012/main" xmlns:mc="http://schemas.openxmlformats.org/markup-compatibility/2006" type="twoObjAndObj" preserve="1">
+<p:sldLayout xmlns:a="http://schemas.openxmlformats.org/drawingml/2006/main" xmlns:r="http://schemas.openxmlformats.org/officeDocument/2006/relationships" xmlns:p="http://schemas.openxmlformats.org/presentationml/2006/main" type="twoObjAndObj" preserve="1">
   <p:cSld name="Title, 2 Content and Content">
     <p:spTree>
       <p:nvGrpSpPr>
@@ -978,12 +1129,13 @@
           </a:prstGeom>
         </p:spPr>
         <p:txBody>
-          <a:bodyPr lIns="0" rIns="0" tIns="0" bIns="0" anchor="ctr">
+          <a:bodyPr lIns="0" tIns="0" rIns="0" bIns="0" anchor="ctr">
             <a:noAutofit/>
           </a:bodyPr>
+          <a:lstStyle/>
           <a:p>
             <a:pPr algn="ctr"/>
-            <a:endParaRPr b="0" lang="fr-BE" sz="4400" spc="-1" strike="noStrike">
+            <a:endParaRPr lang="fr-BE" sz="4400" b="0" strike="noStrike" spc="-1">
               <a:latin typeface="Arial"/>
             </a:endParaRPr>
           </a:p>
@@ -1009,11 +1161,12 @@
           </a:prstGeom>
         </p:spPr>
         <p:txBody>
-          <a:bodyPr lIns="0" rIns="0" tIns="0" bIns="0">
+          <a:bodyPr lIns="0" tIns="0" rIns="0" bIns="0">
             <a:normAutofit/>
           </a:bodyPr>
-          <a:p>
-            <a:endParaRPr b="0" lang="fr-BE" sz="3200" spc="-1" strike="noStrike">
+          <a:lstStyle/>
+          <a:p>
+            <a:endParaRPr lang="fr-BE" sz="3200" b="0" strike="noStrike" spc="-1">
               <a:latin typeface="Arial"/>
             </a:endParaRPr>
           </a:p>
@@ -1039,11 +1192,12 @@
           </a:prstGeom>
         </p:spPr>
         <p:txBody>
-          <a:bodyPr lIns="0" rIns="0" tIns="0" bIns="0">
+          <a:bodyPr lIns="0" tIns="0" rIns="0" bIns="0">
             <a:normAutofit/>
           </a:bodyPr>
-          <a:p>
-            <a:endParaRPr b="0" lang="fr-BE" sz="3200" spc="-1" strike="noStrike">
+          <a:lstStyle/>
+          <a:p>
+            <a:endParaRPr lang="fr-BE" sz="3200" b="0" strike="noStrike" spc="-1">
               <a:latin typeface="Arial"/>
             </a:endParaRPr>
           </a:p>
@@ -1069,11 +1223,12 @@
           </a:prstGeom>
         </p:spPr>
         <p:txBody>
-          <a:bodyPr lIns="0" rIns="0" tIns="0" bIns="0">
+          <a:bodyPr lIns="0" tIns="0" rIns="0" bIns="0">
             <a:normAutofit/>
           </a:bodyPr>
-          <a:p>
-            <a:endParaRPr b="0" lang="fr-BE" sz="3200" spc="-1" strike="noStrike">
+          <a:lstStyle/>
+          <a:p>
+            <a:endParaRPr lang="fr-BE" sz="3200" b="0" strike="noStrike" spc="-1">
               <a:latin typeface="Arial"/>
             </a:endParaRPr>
           </a:p>
@@ -1081,11 +1236,14 @@
       </p:sp>
     </p:spTree>
   </p:cSld>
+  <p:clrMapOvr>
+    <a:masterClrMapping/>
+  </p:clrMapOvr>
 </p:sldLayout>
 </file>
 
 <file path=ppt/slideLayouts/slideLayout8.xml><?xml version="1.0" encoding="utf-8"?>
-<p:sldLayout xmlns:a="http://schemas.openxmlformats.org/drawingml/2006/main" xmlns:p="http://schemas.openxmlformats.org/presentationml/2006/main" xmlns:r="http://schemas.openxmlformats.org/officeDocument/2006/relationships" xmlns:p14="http://schemas.microsoft.com/office/powerpoint/2010/main" xmlns:p15="http://schemas.microsoft.com/office/powerpoint/2012/main" xmlns:mc="http://schemas.openxmlformats.org/markup-compatibility/2006" type="objAndTwoObj" preserve="1">
+<p:sldLayout xmlns:a="http://schemas.openxmlformats.org/drawingml/2006/main" xmlns:r="http://schemas.openxmlformats.org/officeDocument/2006/relationships" xmlns:p="http://schemas.openxmlformats.org/presentationml/2006/main" type="objAndTwoObj" preserve="1">
   <p:cSld name="Title Content and 2 Content">
     <p:spTree>
       <p:nvGrpSpPr>
@@ -1121,12 +1279,13 @@
           </a:prstGeom>
         </p:spPr>
         <p:txBody>
-          <a:bodyPr lIns="0" rIns="0" tIns="0" bIns="0" anchor="ctr">
+          <a:bodyPr lIns="0" tIns="0" rIns="0" bIns="0" anchor="ctr">
             <a:noAutofit/>
           </a:bodyPr>
+          <a:lstStyle/>
           <a:p>
             <a:pPr algn="ctr"/>
-            <a:endParaRPr b="0" lang="fr-BE" sz="4400" spc="-1" strike="noStrike">
+            <a:endParaRPr lang="fr-BE" sz="4400" b="0" strike="noStrike" spc="-1">
               <a:latin typeface="Arial"/>
             </a:endParaRPr>
           </a:p>
@@ -1152,11 +1311,12 @@
           </a:prstGeom>
         </p:spPr>
         <p:txBody>
-          <a:bodyPr lIns="0" rIns="0" tIns="0" bIns="0">
+          <a:bodyPr lIns="0" tIns="0" rIns="0" bIns="0">
             <a:normAutofit/>
           </a:bodyPr>
-          <a:p>
-            <a:endParaRPr b="0" lang="fr-BE" sz="3200" spc="-1" strike="noStrike">
+          <a:lstStyle/>
+          <a:p>
+            <a:endParaRPr lang="fr-BE" sz="3200" b="0" strike="noStrike" spc="-1">
               <a:latin typeface="Arial"/>
             </a:endParaRPr>
           </a:p>
@@ -1182,11 +1342,12 @@
           </a:prstGeom>
         </p:spPr>
         <p:txBody>
-          <a:bodyPr lIns="0" rIns="0" tIns="0" bIns="0">
+          <a:bodyPr lIns="0" tIns="0" rIns="0" bIns="0">
             <a:normAutofit/>
           </a:bodyPr>
-          <a:p>
-            <a:endParaRPr b="0" lang="fr-BE" sz="3200" spc="-1" strike="noStrike">
+          <a:lstStyle/>
+          <a:p>
+            <a:endParaRPr lang="fr-BE" sz="3200" b="0" strike="noStrike" spc="-1">
               <a:latin typeface="Arial"/>
             </a:endParaRPr>
           </a:p>
@@ -1212,11 +1373,12 @@
           </a:prstGeom>
         </p:spPr>
         <p:txBody>
-          <a:bodyPr lIns="0" rIns="0" tIns="0" bIns="0">
+          <a:bodyPr lIns="0" tIns="0" rIns="0" bIns="0">
             <a:normAutofit/>
           </a:bodyPr>
-          <a:p>
-            <a:endParaRPr b="0" lang="fr-BE" sz="3200" spc="-1" strike="noStrike">
+          <a:lstStyle/>
+          <a:p>
+            <a:endParaRPr lang="fr-BE" sz="3200" b="0" strike="noStrike" spc="-1">
               <a:latin typeface="Arial"/>
             </a:endParaRPr>
           </a:p>
@@ -1224,11 +1386,14 @@
       </p:sp>
     </p:spTree>
   </p:cSld>
+  <p:clrMapOvr>
+    <a:masterClrMapping/>
+  </p:clrMapOvr>
 </p:sldLayout>
 </file>
 
 <file path=ppt/slideLayouts/slideLayout9.xml><?xml version="1.0" encoding="utf-8"?>
-<p:sldLayout xmlns:a="http://schemas.openxmlformats.org/drawingml/2006/main" xmlns:p="http://schemas.openxmlformats.org/presentationml/2006/main" xmlns:r="http://schemas.openxmlformats.org/officeDocument/2006/relationships" xmlns:p14="http://schemas.microsoft.com/office/powerpoint/2010/main" xmlns:p15="http://schemas.microsoft.com/office/powerpoint/2012/main" xmlns:mc="http://schemas.openxmlformats.org/markup-compatibility/2006" type="twoObjOverTx" preserve="1">
+<p:sldLayout xmlns:a="http://schemas.openxmlformats.org/drawingml/2006/main" xmlns:r="http://schemas.openxmlformats.org/officeDocument/2006/relationships" xmlns:p="http://schemas.openxmlformats.org/presentationml/2006/main" type="twoObjOverTx" preserve="1">
   <p:cSld name="Title, 2 Content over Content">
     <p:spTree>
       <p:nvGrpSpPr>
@@ -1264,12 +1429,13 @@
           </a:prstGeom>
         </p:spPr>
         <p:txBody>
-          <a:bodyPr lIns="0" rIns="0" tIns="0" bIns="0" anchor="ctr">
+          <a:bodyPr lIns="0" tIns="0" rIns="0" bIns="0" anchor="ctr">
             <a:noAutofit/>
           </a:bodyPr>
+          <a:lstStyle/>
           <a:p>
             <a:pPr algn="ctr"/>
-            <a:endParaRPr b="0" lang="fr-BE" sz="4400" spc="-1" strike="noStrike">
+            <a:endParaRPr lang="fr-BE" sz="4400" b="0" strike="noStrike" spc="-1">
               <a:latin typeface="Arial"/>
             </a:endParaRPr>
           </a:p>
@@ -1295,11 +1461,12 @@
           </a:prstGeom>
         </p:spPr>
         <p:txBody>
-          <a:bodyPr lIns="0" rIns="0" tIns="0" bIns="0">
+          <a:bodyPr lIns="0" tIns="0" rIns="0" bIns="0">
             <a:normAutofit/>
           </a:bodyPr>
-          <a:p>
-            <a:endParaRPr b="0" lang="fr-BE" sz="3200" spc="-1" strike="noStrike">
+          <a:lstStyle/>
+          <a:p>
+            <a:endParaRPr lang="fr-BE" sz="3200" b="0" strike="noStrike" spc="-1">
               <a:latin typeface="Arial"/>
             </a:endParaRPr>
           </a:p>
@@ -1325,11 +1492,12 @@
           </a:prstGeom>
         </p:spPr>
         <p:txBody>
-          <a:bodyPr lIns="0" rIns="0" tIns="0" bIns="0">
+          <a:bodyPr lIns="0" tIns="0" rIns="0" bIns="0">
             <a:normAutofit/>
           </a:bodyPr>
-          <a:p>
-            <a:endParaRPr b="0" lang="fr-BE" sz="3200" spc="-1" strike="noStrike">
+          <a:lstStyle/>
+          <a:p>
+            <a:endParaRPr lang="fr-BE" sz="3200" b="0" strike="noStrike" spc="-1">
               <a:latin typeface="Arial"/>
             </a:endParaRPr>
           </a:p>
@@ -1355,11 +1523,12 @@
           </a:prstGeom>
         </p:spPr>
         <p:txBody>
-          <a:bodyPr lIns="0" rIns="0" tIns="0" bIns="0">
+          <a:bodyPr lIns="0" tIns="0" rIns="0" bIns="0">
             <a:normAutofit/>
           </a:bodyPr>
-          <a:p>
-            <a:endParaRPr b="0" lang="fr-BE" sz="3200" spc="-1" strike="noStrike">
+          <a:lstStyle/>
+          <a:p>
+            <a:endParaRPr lang="fr-BE" sz="3200" b="0" strike="noStrike" spc="-1">
               <a:latin typeface="Arial"/>
             </a:endParaRPr>
           </a:p>
@@ -1367,18 +1536,22 @@
       </p:sp>
     </p:spTree>
   </p:cSld>
+  <p:clrMapOvr>
+    <a:masterClrMapping/>
+  </p:clrMapOvr>
 </p:sldLayout>
 </file>
 
 <file path=ppt/slideMasters/slideMaster1.xml><?xml version="1.0" encoding="utf-8"?>
-<p:sldMaster xmlns:a="http://schemas.openxmlformats.org/drawingml/2006/main" xmlns:p="http://schemas.openxmlformats.org/presentationml/2006/main" xmlns:r="http://schemas.openxmlformats.org/officeDocument/2006/relationships" xmlns:p14="http://schemas.microsoft.com/office/powerpoint/2010/main" xmlns:p15="http://schemas.microsoft.com/office/powerpoint/2012/main" xmlns:mc="http://schemas.openxmlformats.org/markup-compatibility/2006">
+<p:sldMaster xmlns:a="http://schemas.openxmlformats.org/drawingml/2006/main" xmlns:r="http://schemas.openxmlformats.org/officeDocument/2006/relationships" xmlns:p="http://schemas.openxmlformats.org/presentationml/2006/main">
   <p:cSld>
     <p:bg>
       <p:bgPr>
         <a:blipFill rotWithShape="0">
-          <a:blip r:embed="rId2"/>
+          <a:blip r:embed="rId14"/>
           <a:stretch/>
         </a:blipFill>
+        <a:effectLst/>
       </p:bgPr>
     </p:bg>
     <p:spTree>
@@ -1397,7 +1570,7 @@
       </p:grpSpPr>
       <p:sp>
         <p:nvSpPr>
-          <p:cNvPr id="0" name="PlaceHolder 1"/>
+          <p:cNvPr id="2" name="PlaceHolder 1"/>
           <p:cNvSpPr>
             <a:spLocks noGrp="1"/>
           </p:cNvSpPr>
@@ -1415,25 +1588,23 @@
           </a:prstGeom>
         </p:spPr>
         <p:txBody>
-          <a:bodyPr lIns="0" rIns="0" tIns="0" bIns="0" anchor="ctr">
+          <a:bodyPr lIns="0" tIns="0" rIns="0" bIns="0" anchor="ctr">
             <a:noAutofit/>
           </a:bodyPr>
+          <a:lstStyle/>
           <a:p>
             <a:r>
-              <a:rPr b="0" lang="fr-BE" sz="1800" spc="-1" strike="noStrike">
+              <a:rPr lang="fr-BE" sz="1800" b="0" strike="noStrike" spc="-1">
                 <a:latin typeface="Arial"/>
               </a:rPr>
               <a:t>Cliquez pour éditer le format du texte-titre</a:t>
             </a:r>
-            <a:endParaRPr b="0" lang="fr-BE" sz="1800" spc="-1" strike="noStrike">
-              <a:latin typeface="Arial"/>
-            </a:endParaRPr>
-          </a:p>
-        </p:txBody>
-      </p:sp>
-      <p:sp>
-        <p:nvSpPr>
-          <p:cNvPr id="1" name="PlaceHolder 2"/>
+          </a:p>
+        </p:txBody>
+      </p:sp>
+      <p:sp>
+        <p:nvSpPr>
+          <p:cNvPr id="3" name="PlaceHolder 2"/>
           <p:cNvSpPr>
             <a:spLocks noGrp="1"/>
           </p:cNvSpPr>
@@ -1451,187 +1622,447 @@
           </a:prstGeom>
         </p:spPr>
         <p:txBody>
-          <a:bodyPr lIns="0" rIns="0" tIns="0" bIns="0">
+          <a:bodyPr lIns="0" tIns="0" rIns="0" bIns="0">
             <a:normAutofit/>
           </a:bodyPr>
+          <a:lstStyle/>
           <a:p>
             <a:pPr marL="432000" indent="-324000">
               <a:spcBef>
                 <a:spcPts val="1417"/>
               </a:spcBef>
               <a:buClr>
-                <a:srgbClr val="ffffff"/>
+                <a:srgbClr val="FFFFFF"/>
               </a:buClr>
               <a:buSzPct val="45000"/>
               <a:buFont typeface="Wingdings" charset="2"/>
               <a:buChar char=""/>
             </a:pPr>
             <a:r>
-              <a:rPr b="0" lang="fr-BE" sz="1800" spc="-1" strike="noStrike">
+              <a:rPr lang="fr-BE" sz="1800" b="0" strike="noStrike" spc="-1">
                 <a:latin typeface="Arial"/>
               </a:rPr>
               <a:t>Cliquez pour éditer le format du plan de texte</a:t>
             </a:r>
-            <a:endParaRPr b="0" lang="fr-BE" sz="1800" spc="-1" strike="noStrike">
-              <a:latin typeface="Arial"/>
-            </a:endParaRPr>
-          </a:p>
-          <a:p>
-            <a:pPr lvl="1" marL="864000" indent="-324000">
+          </a:p>
+          <a:p>
+            <a:pPr marL="864000" lvl="1" indent="-324000">
               <a:spcBef>
                 <a:spcPts val="1134"/>
               </a:spcBef>
               <a:buClr>
-                <a:srgbClr val="ffffff"/>
+                <a:srgbClr val="FFFFFF"/>
               </a:buClr>
               <a:buSzPct val="75000"/>
               <a:buFont typeface="Symbol" charset="2"/>
               <a:buChar char=""/>
             </a:pPr>
             <a:r>
-              <a:rPr b="0" lang="fr-BE" sz="1800" spc="-1" strike="noStrike">
+              <a:rPr lang="fr-BE" sz="1800" b="0" strike="noStrike" spc="-1">
                 <a:latin typeface="Arial"/>
               </a:rPr>
               <a:t>Second niveau de plan</a:t>
             </a:r>
-            <a:endParaRPr b="0" lang="fr-BE" sz="1800" spc="-1" strike="noStrike">
-              <a:latin typeface="Arial"/>
-            </a:endParaRPr>
-          </a:p>
-          <a:p>
-            <a:pPr lvl="2" marL="1296000" indent="-288000">
+          </a:p>
+          <a:p>
+            <a:pPr marL="1296000" lvl="2" indent="-288000">
               <a:spcBef>
                 <a:spcPts val="850"/>
               </a:spcBef>
               <a:buClr>
-                <a:srgbClr val="ffffff"/>
+                <a:srgbClr val="FFFFFF"/>
               </a:buClr>
               <a:buSzPct val="45000"/>
               <a:buFont typeface="Wingdings" charset="2"/>
               <a:buChar char=""/>
             </a:pPr>
             <a:r>
-              <a:rPr b="0" lang="fr-BE" sz="1800" spc="-1" strike="noStrike">
+              <a:rPr lang="fr-BE" sz="1800" b="0" strike="noStrike" spc="-1">
                 <a:latin typeface="Arial"/>
               </a:rPr>
               <a:t>Troisième niveau de plan</a:t>
             </a:r>
-            <a:endParaRPr b="0" lang="fr-BE" sz="1800" spc="-1" strike="noStrike">
-              <a:latin typeface="Arial"/>
-            </a:endParaRPr>
-          </a:p>
-          <a:p>
-            <a:pPr lvl="3" marL="1728000" indent="-216000">
+          </a:p>
+          <a:p>
+            <a:pPr marL="1728000" lvl="3" indent="-216000">
               <a:spcBef>
                 <a:spcPts val="567"/>
               </a:spcBef>
               <a:buClr>
-                <a:srgbClr val="ffffff"/>
+                <a:srgbClr val="FFFFFF"/>
               </a:buClr>
               <a:buSzPct val="75000"/>
               <a:buFont typeface="Symbol" charset="2"/>
               <a:buChar char=""/>
             </a:pPr>
             <a:r>
-              <a:rPr b="0" lang="fr-BE" sz="1800" spc="-1" strike="noStrike">
+              <a:rPr lang="fr-BE" sz="1800" b="0" strike="noStrike" spc="-1">
                 <a:latin typeface="Arial"/>
               </a:rPr>
               <a:t>Quatrième niveau de plan</a:t>
             </a:r>
-            <a:endParaRPr b="0" lang="fr-BE" sz="1800" spc="-1" strike="noStrike">
-              <a:latin typeface="Arial"/>
-            </a:endParaRPr>
-          </a:p>
-          <a:p>
-            <a:pPr lvl="4" marL="2160000" indent="-216000">
+          </a:p>
+          <a:p>
+            <a:pPr marL="2160000" lvl="4" indent="-216000">
               <a:spcBef>
                 <a:spcPts val="283"/>
               </a:spcBef>
               <a:buClr>
-                <a:srgbClr val="ffffff"/>
+                <a:srgbClr val="FFFFFF"/>
               </a:buClr>
               <a:buSzPct val="45000"/>
               <a:buFont typeface="Wingdings" charset="2"/>
               <a:buChar char=""/>
             </a:pPr>
             <a:r>
-              <a:rPr b="0" lang="fr-BE" sz="1800" spc="-1" strike="noStrike">
+              <a:rPr lang="fr-BE" sz="1800" b="0" strike="noStrike" spc="-1">
                 <a:latin typeface="Arial"/>
               </a:rPr>
               <a:t>Cinquième niveau de plan</a:t>
             </a:r>
-            <a:endParaRPr b="0" lang="fr-BE" sz="1800" spc="-1" strike="noStrike">
-              <a:latin typeface="Arial"/>
-            </a:endParaRPr>
-          </a:p>
-          <a:p>
-            <a:pPr lvl="5" marL="2592000" indent="-216000">
+          </a:p>
+          <a:p>
+            <a:pPr marL="2592000" lvl="5" indent="-216000">
               <a:spcBef>
                 <a:spcPts val="283"/>
               </a:spcBef>
               <a:buClr>
-                <a:srgbClr val="ffffff"/>
+                <a:srgbClr val="FFFFFF"/>
               </a:buClr>
               <a:buSzPct val="45000"/>
               <a:buFont typeface="Wingdings" charset="2"/>
               <a:buChar char=""/>
             </a:pPr>
             <a:r>
-              <a:rPr b="0" lang="fr-BE" sz="1800" spc="-1" strike="noStrike">
+              <a:rPr lang="fr-BE" sz="1800" b="0" strike="noStrike" spc="-1">
                 <a:latin typeface="Arial"/>
               </a:rPr>
               <a:t>Sixième niveau de plan</a:t>
             </a:r>
-            <a:endParaRPr b="0" lang="fr-BE" sz="1800" spc="-1" strike="noStrike">
-              <a:latin typeface="Arial"/>
-            </a:endParaRPr>
-          </a:p>
-          <a:p>
-            <a:pPr lvl="6" marL="3024000" indent="-216000">
+          </a:p>
+          <a:p>
+            <a:pPr marL="3024000" lvl="6" indent="-216000">
               <a:spcBef>
                 <a:spcPts val="283"/>
               </a:spcBef>
               <a:buClr>
-                <a:srgbClr val="ffffff"/>
+                <a:srgbClr val="FFFFFF"/>
               </a:buClr>
               <a:buSzPct val="45000"/>
               <a:buFont typeface="Wingdings" charset="2"/>
               <a:buChar char=""/>
             </a:pPr>
             <a:r>
-              <a:rPr b="0" lang="fr-BE" sz="1800" spc="-1" strike="noStrike">
+              <a:rPr lang="fr-BE" sz="1800" b="0" strike="noStrike" spc="-1">
                 <a:latin typeface="Arial"/>
               </a:rPr>
               <a:t>Septième niveau de plan</a:t>
             </a:r>
-            <a:endParaRPr b="0" lang="fr-BE" sz="1800" spc="-1" strike="noStrike">
-              <a:latin typeface="Arial"/>
-            </a:endParaRPr>
           </a:p>
         </p:txBody>
       </p:sp>
     </p:spTree>
   </p:cSld>
-  <p:clrMap bg1="lt1" bg2="lt2" tx1="dk1" tx2="dk2" accent1="accent1" accent2="accent2" accent3="accent3" accent4="accent4" accent5="accent5" accent6="accent6" hlink="hlink" folHlink="folHlink"/>
+  <p:clrMap bg1="lt1" tx1="dk1" bg2="lt2" tx2="dk2" accent1="accent1" accent2="accent2" accent3="accent3" accent4="accent4" accent5="accent5" accent6="accent6" hlink="hlink" folHlink="folHlink"/>
   <p:sldLayoutIdLst>
-    <p:sldLayoutId id="2147483649" r:id="rId3"/>
-    <p:sldLayoutId id="2147483650" r:id="rId4"/>
-    <p:sldLayoutId id="2147483651" r:id="rId5"/>
-    <p:sldLayoutId id="2147483652" r:id="rId6"/>
-    <p:sldLayoutId id="2147483653" r:id="rId7"/>
-    <p:sldLayoutId id="2147483654" r:id="rId8"/>
-    <p:sldLayoutId id="2147483655" r:id="rId9"/>
-    <p:sldLayoutId id="2147483656" r:id="rId10"/>
-    <p:sldLayoutId id="2147483657" r:id="rId11"/>
-    <p:sldLayoutId id="2147483658" r:id="rId12"/>
-    <p:sldLayoutId id="2147483659" r:id="rId13"/>
-    <p:sldLayoutId id="2147483660" r:id="rId14"/>
+    <p:sldLayoutId id="2147483649" r:id="rId1"/>
+    <p:sldLayoutId id="2147483650" r:id="rId2"/>
+    <p:sldLayoutId id="2147483651" r:id="rId3"/>
+    <p:sldLayoutId id="2147483652" r:id="rId4"/>
+    <p:sldLayoutId id="2147483653" r:id="rId5"/>
+    <p:sldLayoutId id="2147483654" r:id="rId6"/>
+    <p:sldLayoutId id="2147483655" r:id="rId7"/>
+    <p:sldLayoutId id="2147483656" r:id="rId8"/>
+    <p:sldLayoutId id="2147483657" r:id="rId9"/>
+    <p:sldLayoutId id="2147483658" r:id="rId10"/>
+    <p:sldLayoutId id="2147483659" r:id="rId11"/>
+    <p:sldLayoutId id="2147483660" r:id="rId12"/>
   </p:sldLayoutIdLst>
+  <p:txStyles>
+    <p:titleStyle>
+      <a:lvl1pPr algn="l" defTabSz="914400" rtl="0" eaLnBrk="1" latinLnBrk="0" hangingPunct="1">
+        <a:lnSpc>
+          <a:spcPct val="90000"/>
+        </a:lnSpc>
+        <a:spcBef>
+          <a:spcPct val="0"/>
+        </a:spcBef>
+        <a:buNone/>
+        <a:defRPr sz="4400" kern="1200">
+          <a:solidFill>
+            <a:schemeClr val="tx1"/>
+          </a:solidFill>
+          <a:latin typeface="+mj-lt"/>
+          <a:ea typeface="+mj-ea"/>
+          <a:cs typeface="+mj-cs"/>
+        </a:defRPr>
+      </a:lvl1pPr>
+    </p:titleStyle>
+    <p:bodyStyle>
+      <a:lvl1pPr marL="228600" indent="-228600" algn="l" defTabSz="914400" rtl="0" eaLnBrk="1" latinLnBrk="0" hangingPunct="1">
+        <a:lnSpc>
+          <a:spcPct val="90000"/>
+        </a:lnSpc>
+        <a:spcBef>
+          <a:spcPts val="1000"/>
+        </a:spcBef>
+        <a:buFont typeface="Arial" panose="020B0604020202020204" pitchFamily="34" charset="0"/>
+        <a:buChar char="•"/>
+        <a:defRPr sz="2800" kern="1200">
+          <a:solidFill>
+            <a:schemeClr val="tx1"/>
+          </a:solidFill>
+          <a:latin typeface="+mn-lt"/>
+          <a:ea typeface="+mn-ea"/>
+          <a:cs typeface="+mn-cs"/>
+        </a:defRPr>
+      </a:lvl1pPr>
+      <a:lvl2pPr marL="685800" indent="-228600" algn="l" defTabSz="914400" rtl="0" eaLnBrk="1" latinLnBrk="0" hangingPunct="1">
+        <a:lnSpc>
+          <a:spcPct val="90000"/>
+        </a:lnSpc>
+        <a:spcBef>
+          <a:spcPts val="500"/>
+        </a:spcBef>
+        <a:buFont typeface="Arial" panose="020B0604020202020204" pitchFamily="34" charset="0"/>
+        <a:buChar char="•"/>
+        <a:defRPr sz="2400" kern="1200">
+          <a:solidFill>
+            <a:schemeClr val="tx1"/>
+          </a:solidFill>
+          <a:latin typeface="+mn-lt"/>
+          <a:ea typeface="+mn-ea"/>
+          <a:cs typeface="+mn-cs"/>
+        </a:defRPr>
+      </a:lvl2pPr>
+      <a:lvl3pPr marL="1143000" indent="-228600" algn="l" defTabSz="914400" rtl="0" eaLnBrk="1" latinLnBrk="0" hangingPunct="1">
+        <a:lnSpc>
+          <a:spcPct val="90000"/>
+        </a:lnSpc>
+        <a:spcBef>
+          <a:spcPts val="500"/>
+        </a:spcBef>
+        <a:buFont typeface="Arial" panose="020B0604020202020204" pitchFamily="34" charset="0"/>
+        <a:buChar char="•"/>
+        <a:defRPr sz="2000" kern="1200">
+          <a:solidFill>
+            <a:schemeClr val="tx1"/>
+          </a:solidFill>
+          <a:latin typeface="+mn-lt"/>
+          <a:ea typeface="+mn-ea"/>
+          <a:cs typeface="+mn-cs"/>
+        </a:defRPr>
+      </a:lvl3pPr>
+      <a:lvl4pPr marL="1600200" indent="-228600" algn="l" defTabSz="914400" rtl="0" eaLnBrk="1" latinLnBrk="0" hangingPunct="1">
+        <a:lnSpc>
+          <a:spcPct val="90000"/>
+        </a:lnSpc>
+        <a:spcBef>
+          <a:spcPts val="500"/>
+        </a:spcBef>
+        <a:buFont typeface="Arial" panose="020B0604020202020204" pitchFamily="34" charset="0"/>
+        <a:buChar char="•"/>
+        <a:defRPr sz="1800" kern="1200">
+          <a:solidFill>
+            <a:schemeClr val="tx1"/>
+          </a:solidFill>
+          <a:latin typeface="+mn-lt"/>
+          <a:ea typeface="+mn-ea"/>
+          <a:cs typeface="+mn-cs"/>
+        </a:defRPr>
+      </a:lvl4pPr>
+      <a:lvl5pPr marL="2057400" indent="-228600" algn="l" defTabSz="914400" rtl="0" eaLnBrk="1" latinLnBrk="0" hangingPunct="1">
+        <a:lnSpc>
+          <a:spcPct val="90000"/>
+        </a:lnSpc>
+        <a:spcBef>
+          <a:spcPts val="500"/>
+        </a:spcBef>
+        <a:buFont typeface="Arial" panose="020B0604020202020204" pitchFamily="34" charset="0"/>
+        <a:buChar char="•"/>
+        <a:defRPr sz="1800" kern="1200">
+          <a:solidFill>
+            <a:schemeClr val="tx1"/>
+          </a:solidFill>
+          <a:latin typeface="+mn-lt"/>
+          <a:ea typeface="+mn-ea"/>
+          <a:cs typeface="+mn-cs"/>
+        </a:defRPr>
+      </a:lvl5pPr>
+      <a:lvl6pPr marL="2514600" indent="-228600" algn="l" defTabSz="914400" rtl="0" eaLnBrk="1" latinLnBrk="0" hangingPunct="1">
+        <a:lnSpc>
+          <a:spcPct val="90000"/>
+        </a:lnSpc>
+        <a:spcBef>
+          <a:spcPts val="500"/>
+        </a:spcBef>
+        <a:buFont typeface="Arial" panose="020B0604020202020204" pitchFamily="34" charset="0"/>
+        <a:buChar char="•"/>
+        <a:defRPr sz="1800" kern="1200">
+          <a:solidFill>
+            <a:schemeClr val="tx1"/>
+          </a:solidFill>
+          <a:latin typeface="+mn-lt"/>
+          <a:ea typeface="+mn-ea"/>
+          <a:cs typeface="+mn-cs"/>
+        </a:defRPr>
+      </a:lvl6pPr>
+      <a:lvl7pPr marL="2971800" indent="-228600" algn="l" defTabSz="914400" rtl="0" eaLnBrk="1" latinLnBrk="0" hangingPunct="1">
+        <a:lnSpc>
+          <a:spcPct val="90000"/>
+        </a:lnSpc>
+        <a:spcBef>
+          <a:spcPts val="500"/>
+        </a:spcBef>
+        <a:buFont typeface="Arial" panose="020B0604020202020204" pitchFamily="34" charset="0"/>
+        <a:buChar char="•"/>
+        <a:defRPr sz="1800" kern="1200">
+          <a:solidFill>
+            <a:schemeClr val="tx1"/>
+          </a:solidFill>
+          <a:latin typeface="+mn-lt"/>
+          <a:ea typeface="+mn-ea"/>
+          <a:cs typeface="+mn-cs"/>
+        </a:defRPr>
+      </a:lvl7pPr>
+      <a:lvl8pPr marL="3429000" indent="-228600" algn="l" defTabSz="914400" rtl="0" eaLnBrk="1" latinLnBrk="0" hangingPunct="1">
+        <a:lnSpc>
+          <a:spcPct val="90000"/>
+        </a:lnSpc>
+        <a:spcBef>
+          <a:spcPts val="500"/>
+        </a:spcBef>
+        <a:buFont typeface="Arial" panose="020B0604020202020204" pitchFamily="34" charset="0"/>
+        <a:buChar char="•"/>
+        <a:defRPr sz="1800" kern="1200">
+          <a:solidFill>
+            <a:schemeClr val="tx1"/>
+          </a:solidFill>
+          <a:latin typeface="+mn-lt"/>
+          <a:ea typeface="+mn-ea"/>
+          <a:cs typeface="+mn-cs"/>
+        </a:defRPr>
+      </a:lvl8pPr>
+      <a:lvl9pPr marL="3886200" indent="-228600" algn="l" defTabSz="914400" rtl="0" eaLnBrk="1" latinLnBrk="0" hangingPunct="1">
+        <a:lnSpc>
+          <a:spcPct val="90000"/>
+        </a:lnSpc>
+        <a:spcBef>
+          <a:spcPts val="500"/>
+        </a:spcBef>
+        <a:buFont typeface="Arial" panose="020B0604020202020204" pitchFamily="34" charset="0"/>
+        <a:buChar char="•"/>
+        <a:defRPr sz="1800" kern="1200">
+          <a:solidFill>
+            <a:schemeClr val="tx1"/>
+          </a:solidFill>
+          <a:latin typeface="+mn-lt"/>
+          <a:ea typeface="+mn-ea"/>
+          <a:cs typeface="+mn-cs"/>
+        </a:defRPr>
+      </a:lvl9pPr>
+    </p:bodyStyle>
+    <p:otherStyle>
+      <a:defPPr>
+        <a:defRPr lang="en-US"/>
+      </a:defPPr>
+      <a:lvl1pPr marL="0" algn="l" defTabSz="914400" rtl="0" eaLnBrk="1" latinLnBrk="0" hangingPunct="1">
+        <a:defRPr sz="1800" kern="1200">
+          <a:solidFill>
+            <a:schemeClr val="tx1"/>
+          </a:solidFill>
+          <a:latin typeface="+mn-lt"/>
+          <a:ea typeface="+mn-ea"/>
+          <a:cs typeface="+mn-cs"/>
+        </a:defRPr>
+      </a:lvl1pPr>
+      <a:lvl2pPr marL="457200" algn="l" defTabSz="914400" rtl="0" eaLnBrk="1" latinLnBrk="0" hangingPunct="1">
+        <a:defRPr sz="1800" kern="1200">
+          <a:solidFill>
+            <a:schemeClr val="tx1"/>
+          </a:solidFill>
+          <a:latin typeface="+mn-lt"/>
+          <a:ea typeface="+mn-ea"/>
+          <a:cs typeface="+mn-cs"/>
+        </a:defRPr>
+      </a:lvl2pPr>
+      <a:lvl3pPr marL="914400" algn="l" defTabSz="914400" rtl="0" eaLnBrk="1" latinLnBrk="0" hangingPunct="1">
+        <a:defRPr sz="1800" kern="1200">
+          <a:solidFill>
+            <a:schemeClr val="tx1"/>
+          </a:solidFill>
+          <a:latin typeface="+mn-lt"/>
+          <a:ea typeface="+mn-ea"/>
+          <a:cs typeface="+mn-cs"/>
+        </a:defRPr>
+      </a:lvl3pPr>
+      <a:lvl4pPr marL="1371600" algn="l" defTabSz="914400" rtl="0" eaLnBrk="1" latinLnBrk="0" hangingPunct="1">
+        <a:defRPr sz="1800" kern="1200">
+          <a:solidFill>
+            <a:schemeClr val="tx1"/>
+          </a:solidFill>
+          <a:latin typeface="+mn-lt"/>
+          <a:ea typeface="+mn-ea"/>
+          <a:cs typeface="+mn-cs"/>
+        </a:defRPr>
+      </a:lvl4pPr>
+      <a:lvl5pPr marL="1828800" algn="l" defTabSz="914400" rtl="0" eaLnBrk="1" latinLnBrk="0" hangingPunct="1">
+        <a:defRPr sz="1800" kern="1200">
+          <a:solidFill>
+            <a:schemeClr val="tx1"/>
+          </a:solidFill>
+          <a:latin typeface="+mn-lt"/>
+          <a:ea typeface="+mn-ea"/>
+          <a:cs typeface="+mn-cs"/>
+        </a:defRPr>
+      </a:lvl5pPr>
+      <a:lvl6pPr marL="2286000" algn="l" defTabSz="914400" rtl="0" eaLnBrk="1" latinLnBrk="0" hangingPunct="1">
+        <a:defRPr sz="1800" kern="1200">
+          <a:solidFill>
+            <a:schemeClr val="tx1"/>
+          </a:solidFill>
+          <a:latin typeface="+mn-lt"/>
+          <a:ea typeface="+mn-ea"/>
+          <a:cs typeface="+mn-cs"/>
+        </a:defRPr>
+      </a:lvl6pPr>
+      <a:lvl7pPr marL="2743200" algn="l" defTabSz="914400" rtl="0" eaLnBrk="1" latinLnBrk="0" hangingPunct="1">
+        <a:defRPr sz="1800" kern="1200">
+          <a:solidFill>
+            <a:schemeClr val="tx1"/>
+          </a:solidFill>
+          <a:latin typeface="+mn-lt"/>
+          <a:ea typeface="+mn-ea"/>
+          <a:cs typeface="+mn-cs"/>
+        </a:defRPr>
+      </a:lvl7pPr>
+      <a:lvl8pPr marL="3200400" algn="l" defTabSz="914400" rtl="0" eaLnBrk="1" latinLnBrk="0" hangingPunct="1">
+        <a:defRPr sz="1800" kern="1200">
+          <a:solidFill>
+            <a:schemeClr val="tx1"/>
+          </a:solidFill>
+          <a:latin typeface="+mn-lt"/>
+          <a:ea typeface="+mn-ea"/>
+          <a:cs typeface="+mn-cs"/>
+        </a:defRPr>
+      </a:lvl8pPr>
+      <a:lvl9pPr marL="3657600" algn="l" defTabSz="914400" rtl="0" eaLnBrk="1" latinLnBrk="0" hangingPunct="1">
+        <a:defRPr sz="1800" kern="1200">
+          <a:solidFill>
+            <a:schemeClr val="tx1"/>
+          </a:solidFill>
+          <a:latin typeface="+mn-lt"/>
+          <a:ea typeface="+mn-ea"/>
+          <a:cs typeface="+mn-cs"/>
+        </a:defRPr>
+      </a:lvl9pPr>
+    </p:otherStyle>
+  </p:txStyles>
 </p:sldMaster>
 </file>
 
 <file path=ppt/slides/slide1.xml><?xml version="1.0" encoding="utf-8"?>
-<p:sld xmlns:a="http://schemas.openxmlformats.org/drawingml/2006/main" xmlns:p="http://schemas.openxmlformats.org/presentationml/2006/main" xmlns:r="http://schemas.openxmlformats.org/officeDocument/2006/relationships" xmlns:p14="http://schemas.microsoft.com/office/powerpoint/2010/main" xmlns:p15="http://schemas.microsoft.com/office/powerpoint/2012/main" xmlns:mc="http://schemas.openxmlformats.org/markup-compatibility/2006">
+<p:sld xmlns:a="http://schemas.openxmlformats.org/drawingml/2006/main" xmlns:r="http://schemas.openxmlformats.org/officeDocument/2006/relationships" xmlns:p="http://schemas.openxmlformats.org/presentationml/2006/main">
   <p:cSld>
     <p:spTree>
       <p:nvGrpSpPr>
@@ -1667,15 +2098,22 @@
           </a:ln>
         </p:spPr>
         <p:style>
-          <a:lnRef idx="0"/>
-          <a:fillRef idx="0"/>
-          <a:effectRef idx="0"/>
+          <a:lnRef idx="0">
+            <a:scrgbClr r="0" g="0" b="0"/>
+          </a:lnRef>
+          <a:fillRef idx="0">
+            <a:scrgbClr r="0" g="0" b="0"/>
+          </a:fillRef>
+          <a:effectRef idx="0">
+            <a:scrgbClr r="0" g="0" b="0"/>
+          </a:effectRef>
           <a:fontRef idx="minor"/>
         </p:style>
         <p:txBody>
-          <a:bodyPr lIns="90000" rIns="90000" tIns="45000" bIns="45000">
+          <a:bodyPr lIns="90000" tIns="45000" rIns="90000" bIns="45000">
             <a:spAutoFit/>
           </a:bodyPr>
+          <a:lstStyle/>
           <a:p>
             <a:pPr algn="ctr">
               <a:lnSpc>
@@ -1683,16 +2121,16 @@
               </a:lnSpc>
             </a:pPr>
             <a:r>
-              <a:rPr b="1" lang="fr-FR" sz="6600" spc="-1" strike="noStrike">
+              <a:rPr lang="fr-FR" sz="6600" b="1" strike="noStrike" spc="-1">
                 <a:solidFill>
-                  <a:srgbClr val="ffffff"/>
+                  <a:srgbClr val="FFFFFF"/>
                 </a:solidFill>
                 <a:latin typeface="Arial Narrow"/>
                 <a:ea typeface="DejaVu Sans"/>
               </a:rPr>
               <a:t>2021 Pass the SALT </a:t>
             </a:r>
-            <a:endParaRPr b="0" lang="fr-BE" sz="6600" spc="-1" strike="noStrike">
+            <a:endParaRPr lang="fr-BE" sz="6600" b="0" strike="noStrike" spc="-1">
               <a:latin typeface="Arial"/>
             </a:endParaRPr>
           </a:p>
@@ -1700,12 +2138,12 @@
       </p:sp>
       <p:pic>
         <p:nvPicPr>
-          <p:cNvPr id="39" name="Image 3" descr=""/>
+          <p:cNvPr id="39" name="Image 3"/>
           <p:cNvPicPr/>
           <p:nvPr/>
         </p:nvPicPr>
         <p:blipFill>
-          <a:blip r:embed="rId1"/>
+          <a:blip r:embed="rId2"/>
           <a:stretch/>
         </p:blipFill>
         <p:spPr>
@@ -1723,19 +2161,33 @@
       </p:pic>
     </p:spTree>
   </p:cSld>
-  <mc:AlternateContent>
+  <p:clrMapOvr>
+    <a:masterClrMapping/>
+  </p:clrMapOvr>
+  <mc:AlternateContent xmlns:mc="http://schemas.openxmlformats.org/markup-compatibility/2006" xmlns:p14="http://schemas.microsoft.com/office/powerpoint/2010/main">
     <mc:Choice Requires="p14">
-      <p:transition spd="slow" p14:dur="2000"/>
+      <p:transition spd="slow" p14:dur="900">
+        <p14:warp dir="in"/>
+      </p:transition>
     </mc:Choice>
-    <mc:Fallback>
-      <p:transition spd="slow"/>
+    <mc:Fallback xmlns="">
+      <p:transition spd="slow">
+        <p:fade/>
+      </p:transition>
     </mc:Fallback>
   </mc:AlternateContent>
+  <p:timing>
+    <p:tnLst>
+      <p:par>
+        <p:cTn id="1" dur="indefinite" restart="never" nodeType="tmRoot"/>
+      </p:par>
+    </p:tnLst>
+  </p:timing>
 </p:sld>
 </file>
 
 <file path=ppt/slides/slide2.xml><?xml version="1.0" encoding="utf-8"?>
-<p:sld xmlns:a="http://schemas.openxmlformats.org/drawingml/2006/main" xmlns:p="http://schemas.openxmlformats.org/presentationml/2006/main" xmlns:r="http://schemas.openxmlformats.org/officeDocument/2006/relationships" xmlns:p14="http://schemas.microsoft.com/office/powerpoint/2010/main" xmlns:p15="http://schemas.microsoft.com/office/powerpoint/2012/main" xmlns:mc="http://schemas.openxmlformats.org/markup-compatibility/2006">
+<p:sld xmlns:a="http://schemas.openxmlformats.org/drawingml/2006/main" xmlns:r="http://schemas.openxmlformats.org/officeDocument/2006/relationships" xmlns:p="http://schemas.openxmlformats.org/presentationml/2006/main">
   <p:cSld>
     <p:spTree>
       <p:nvGrpSpPr>
@@ -1766,16 +2218,22 @@
             <a:avLst/>
           </a:prstGeom>
           <a:solidFill>
-            <a:srgbClr val="ffffff"/>
+            <a:srgbClr val="FFFFFF"/>
           </a:solidFill>
           <a:ln w="25560">
             <a:noFill/>
           </a:ln>
         </p:spPr>
         <p:style>
-          <a:lnRef idx="0"/>
-          <a:fillRef idx="0"/>
-          <a:effectRef idx="0"/>
+          <a:lnRef idx="0">
+            <a:scrgbClr r="0" g="0" b="0"/>
+          </a:lnRef>
+          <a:fillRef idx="0">
+            <a:scrgbClr r="0" g="0" b="0"/>
+          </a:fillRef>
+          <a:effectRef idx="0">
+            <a:scrgbClr r="0" g="0" b="0"/>
+          </a:effectRef>
           <a:fontRef idx="minor"/>
         </p:style>
       </p:sp>
@@ -1795,15 +2253,21 @@
           </a:prstGeom>
           <a:ln w="54000">
             <a:solidFill>
-              <a:srgbClr val="4a7ebb"/>
+              <a:srgbClr val="4A7EBB"/>
             </a:solidFill>
             <a:round/>
           </a:ln>
         </p:spPr>
         <p:style>
-          <a:lnRef idx="0"/>
-          <a:fillRef idx="0"/>
-          <a:effectRef idx="0"/>
+          <a:lnRef idx="0">
+            <a:scrgbClr r="0" g="0" b="0"/>
+          </a:lnRef>
+          <a:fillRef idx="0">
+            <a:scrgbClr r="0" g="0" b="0"/>
+          </a:fillRef>
+          <a:effectRef idx="0">
+            <a:scrgbClr r="0" g="0" b="0"/>
+          </a:effectRef>
           <a:fontRef idx="minor"/>
         </p:style>
       </p:sp>
@@ -1823,15 +2287,21 @@
           </a:prstGeom>
           <a:ln w="54000">
             <a:solidFill>
-              <a:srgbClr val="4a7ebb"/>
+              <a:srgbClr val="4A7EBB"/>
             </a:solidFill>
             <a:round/>
           </a:ln>
         </p:spPr>
         <p:style>
-          <a:lnRef idx="0"/>
-          <a:fillRef idx="0"/>
-          <a:effectRef idx="0"/>
+          <a:lnRef idx="0">
+            <a:scrgbClr r="0" g="0" b="0"/>
+          </a:lnRef>
+          <a:fillRef idx="0">
+            <a:scrgbClr r="0" g="0" b="0"/>
+          </a:fillRef>
+          <a:effectRef idx="0">
+            <a:scrgbClr r="0" g="0" b="0"/>
+          </a:effectRef>
           <a:fontRef idx="minor"/>
         </p:style>
       </p:sp>
@@ -1851,15 +2321,21 @@
           </a:prstGeom>
           <a:ln w="54000">
             <a:solidFill>
-              <a:srgbClr val="4a7ebb"/>
+              <a:srgbClr val="4A7EBB"/>
             </a:solidFill>
             <a:round/>
           </a:ln>
         </p:spPr>
         <p:style>
-          <a:lnRef idx="0"/>
-          <a:fillRef idx="0"/>
-          <a:effectRef idx="0"/>
+          <a:lnRef idx="0">
+            <a:scrgbClr r="0" g="0" b="0"/>
+          </a:lnRef>
+          <a:fillRef idx="0">
+            <a:scrgbClr r="0" g="0" b="0"/>
+          </a:fillRef>
+          <a:effectRef idx="0">
+            <a:scrgbClr r="0" g="0" b="0"/>
+          </a:effectRef>
           <a:fontRef idx="minor"/>
         </p:style>
       </p:sp>
@@ -1883,15 +2359,22 @@
           </a:ln>
         </p:spPr>
         <p:style>
-          <a:lnRef idx="0"/>
-          <a:fillRef idx="0"/>
-          <a:effectRef idx="0"/>
+          <a:lnRef idx="0">
+            <a:scrgbClr r="0" g="0" b="0"/>
+          </a:lnRef>
+          <a:fillRef idx="0">
+            <a:scrgbClr r="0" g="0" b="0"/>
+          </a:fillRef>
+          <a:effectRef idx="0">
+            <a:scrgbClr r="0" g="0" b="0"/>
+          </a:effectRef>
           <a:fontRef idx="minor"/>
         </p:style>
         <p:txBody>
-          <a:bodyPr lIns="90000" rIns="90000" tIns="45000" bIns="45000" anchor="ctr">
+          <a:bodyPr lIns="90000" tIns="45000" rIns="90000" bIns="45000" anchor="ctr">
             <a:spAutoFit/>
           </a:bodyPr>
+          <a:lstStyle/>
           <a:p>
             <a:pPr algn="ctr">
               <a:lnSpc>
@@ -1899,16 +2382,16 @@
               </a:lnSpc>
             </a:pPr>
             <a:r>
-              <a:rPr b="1" lang="fr-FR" sz="6600" spc="-1" strike="noStrike">
+              <a:rPr lang="fr-FR" sz="6600" b="1" strike="noStrike" spc="-1">
                 <a:solidFill>
-                  <a:srgbClr val="ffffff"/>
+                  <a:srgbClr val="FFFFFF"/>
                 </a:solidFill>
                 <a:latin typeface="Arial Narrow"/>
                 <a:ea typeface="DejaVu Sans"/>
               </a:rPr>
               <a:t>sponsored by</a:t>
             </a:r>
-            <a:endParaRPr b="0" lang="fr-BE" sz="6600" spc="-1" strike="noStrike">
+            <a:endParaRPr lang="fr-BE" sz="6600" b="0" strike="noStrike" spc="-1">
               <a:latin typeface="Arial"/>
             </a:endParaRPr>
           </a:p>
@@ -1936,15 +2419,22 @@
           </a:ln>
         </p:spPr>
         <p:style>
-          <a:lnRef idx="0"/>
-          <a:fillRef idx="0"/>
-          <a:effectRef idx="0"/>
+          <a:lnRef idx="0">
+            <a:scrgbClr r="0" g="0" b="0"/>
+          </a:lnRef>
+          <a:fillRef idx="0">
+            <a:scrgbClr r="0" g="0" b="0"/>
+          </a:fillRef>
+          <a:effectRef idx="0">
+            <a:scrgbClr r="0" g="0" b="0"/>
+          </a:effectRef>
           <a:fontRef idx="minor"/>
         </p:style>
         <p:txBody>
-          <a:bodyPr lIns="90000" rIns="90000" tIns="45000" bIns="45000" anchor="ctr" anchorCtr="1" vert="vert270" rot="16200000">
+          <a:bodyPr rot="16200000" vert="horz" wrap="none" lIns="90000" tIns="45000" rIns="90000" bIns="45000" anchor="ctr" anchorCtr="1">
             <a:noAutofit/>
           </a:bodyPr>
+          <a:lstStyle/>
           <a:p>
             <a:pPr algn="ctr">
               <a:lnSpc>
@@ -1952,16 +2442,16 @@
               </a:lnSpc>
             </a:pPr>
             <a:r>
-              <a:rPr b="0" lang="fr-FR" sz="1600" spc="-1" strike="noStrike">
+              <a:rPr lang="fr-FR" sz="1600" b="0" strike="noStrike" spc="-1" dirty="0">
                 <a:solidFill>
-                  <a:srgbClr val="ffffff"/>
+                  <a:srgbClr val="FFFFFF"/>
                 </a:solidFill>
                 <a:latin typeface="Calibri"/>
                 <a:ea typeface="DejaVu Sans"/>
               </a:rPr>
               <a:t>Platinum</a:t>
             </a:r>
-            <a:endParaRPr b="0" lang="fr-BE" sz="1600" spc="-1" strike="noStrike">
+            <a:endParaRPr lang="fr-BE" sz="1600" b="0" strike="noStrike" spc="-1" dirty="0">
               <a:latin typeface="Arial"/>
             </a:endParaRPr>
           </a:p>
@@ -1976,28 +2466,35 @@
         <p:spPr>
           <a:xfrm>
             <a:off x="1800" y="1946160"/>
-            <a:ext cx="580680" cy="1524600"/>
+            <a:ext cx="580680" cy="1524960"/>
           </a:xfrm>
           <a:prstGeom prst="rect">
             <a:avLst/>
           </a:prstGeom>
           <a:solidFill>
-            <a:srgbClr val="948a54"/>
+            <a:srgbClr val="948A54"/>
           </a:solidFill>
           <a:ln w="25560">
             <a:noFill/>
           </a:ln>
         </p:spPr>
         <p:style>
-          <a:lnRef idx="0"/>
-          <a:fillRef idx="0"/>
-          <a:effectRef idx="0"/>
+          <a:lnRef idx="0">
+            <a:scrgbClr r="0" g="0" b="0"/>
+          </a:lnRef>
+          <a:fillRef idx="0">
+            <a:scrgbClr r="0" g="0" b="0"/>
+          </a:fillRef>
+          <a:effectRef idx="0">
+            <a:scrgbClr r="0" g="0" b="0"/>
+          </a:effectRef>
           <a:fontRef idx="minor"/>
         </p:style>
         <p:txBody>
-          <a:bodyPr lIns="90000" rIns="90000" tIns="45000" bIns="45000" anchor="ctr" anchorCtr="1" vert="vert270" rot="16200000">
+          <a:bodyPr rot="16200000" vert="horz" wrap="none" lIns="90000" tIns="45000" rIns="90000" bIns="45000" anchor="ctr" anchorCtr="1">
             <a:noAutofit/>
           </a:bodyPr>
+          <a:lstStyle/>
           <a:p>
             <a:pPr algn="ctr">
               <a:lnSpc>
@@ -2005,16 +2502,16 @@
               </a:lnSpc>
             </a:pPr>
             <a:r>
-              <a:rPr b="0" lang="fr-FR" sz="1800" spc="-1" strike="noStrike">
+              <a:rPr lang="fr-FR" sz="1800" b="0" strike="noStrike" spc="-1" dirty="0">
                 <a:solidFill>
-                  <a:srgbClr val="ffffff"/>
+                  <a:srgbClr val="FFFFFF"/>
                 </a:solidFill>
                 <a:latin typeface="Calibri"/>
                 <a:ea typeface="DejaVu Sans"/>
               </a:rPr>
               <a:t>Gold</a:t>
             </a:r>
-            <a:endParaRPr b="0" lang="fr-BE" sz="1800" spc="-1" strike="noStrike">
+            <a:endParaRPr lang="fr-BE" sz="1800" b="0" strike="noStrike" spc="-1" dirty="0">
               <a:latin typeface="Arial"/>
             </a:endParaRPr>
           </a:p>
@@ -2035,22 +2532,29 @@
             <a:avLst/>
           </a:prstGeom>
           <a:solidFill>
-            <a:srgbClr val="bfbfbf"/>
+            <a:srgbClr val="BFBFBF"/>
           </a:solidFill>
           <a:ln w="25560">
             <a:noFill/>
           </a:ln>
         </p:spPr>
         <p:style>
-          <a:lnRef idx="0"/>
-          <a:fillRef idx="0"/>
-          <a:effectRef idx="0"/>
+          <a:lnRef idx="0">
+            <a:scrgbClr r="0" g="0" b="0"/>
+          </a:lnRef>
+          <a:fillRef idx="0">
+            <a:scrgbClr r="0" g="0" b="0"/>
+          </a:fillRef>
+          <a:effectRef idx="0">
+            <a:scrgbClr r="0" g="0" b="0"/>
+          </a:effectRef>
           <a:fontRef idx="minor"/>
         </p:style>
         <p:txBody>
-          <a:bodyPr lIns="90000" rIns="90000" tIns="45000" bIns="45000" anchor="ctr" anchorCtr="1" vert="vert270" rot="16200000">
+          <a:bodyPr rot="16200000" vert="horz" wrap="none" lIns="90000" tIns="45000" rIns="90000" bIns="45000" anchor="ctr" anchorCtr="1">
             <a:noAutofit/>
           </a:bodyPr>
+          <a:lstStyle/>
           <a:p>
             <a:pPr algn="ctr">
               <a:lnSpc>
@@ -2058,16 +2562,16 @@
               </a:lnSpc>
             </a:pPr>
             <a:r>
-              <a:rPr b="0" lang="fr-FR" sz="1800" spc="-1" strike="noStrike">
+              <a:rPr lang="fr-FR" sz="1800" b="0" strike="noStrike" spc="-1" dirty="0">
                 <a:solidFill>
-                  <a:srgbClr val="ffffff"/>
+                  <a:srgbClr val="FFFFFF"/>
                 </a:solidFill>
                 <a:latin typeface="Calibri"/>
                 <a:ea typeface="DejaVu Sans"/>
               </a:rPr>
               <a:t>Silver</a:t>
             </a:r>
-            <a:endParaRPr b="0" lang="fr-BE" sz="1800" spc="-1" strike="noStrike">
+            <a:endParaRPr lang="fr-BE" sz="1800" b="0" strike="noStrike" spc="-1" dirty="0">
               <a:latin typeface="Arial"/>
             </a:endParaRPr>
           </a:p>
@@ -2088,22 +2592,29 @@
             <a:avLst/>
           </a:prstGeom>
           <a:solidFill>
-            <a:srgbClr val="7030a0"/>
+            <a:srgbClr val="7030A0"/>
           </a:solidFill>
           <a:ln w="25560">
             <a:noFill/>
           </a:ln>
         </p:spPr>
         <p:style>
-          <a:lnRef idx="0"/>
-          <a:fillRef idx="0"/>
-          <a:effectRef idx="0"/>
+          <a:lnRef idx="0">
+            <a:scrgbClr r="0" g="0" b="0"/>
+          </a:lnRef>
+          <a:fillRef idx="0">
+            <a:scrgbClr r="0" g="0" b="0"/>
+          </a:fillRef>
+          <a:effectRef idx="0">
+            <a:scrgbClr r="0" g="0" b="0"/>
+          </a:effectRef>
           <a:fontRef idx="minor"/>
         </p:style>
         <p:txBody>
-          <a:bodyPr lIns="90000" rIns="90000" tIns="45000" bIns="45000" anchor="ctr" anchorCtr="1" vert="vert270" rot="16200000">
+          <a:bodyPr rot="16200000" vert="horz" wrap="none" lIns="90000" tIns="45000" rIns="90000" bIns="45000" anchor="ctr" anchorCtr="1">
             <a:noAutofit/>
           </a:bodyPr>
+          <a:lstStyle/>
           <a:p>
             <a:pPr algn="ctr">
               <a:lnSpc>
@@ -2111,16 +2622,16 @@
               </a:lnSpc>
             </a:pPr>
             <a:r>
-              <a:rPr b="0" lang="fr-FR" sz="1600" spc="-1" strike="noStrike">
+              <a:rPr lang="fr-FR" sz="1600" b="0" strike="noStrike" spc="-1" dirty="0" smtClean="0">
                 <a:solidFill>
-                  <a:srgbClr val="ffffff"/>
+                  <a:srgbClr val="FFFFFF"/>
                 </a:solidFill>
                 <a:latin typeface="Calibri"/>
                 <a:ea typeface="DejaVu Sans"/>
               </a:rPr>
-              <a:t>Partners</a:t>
+              <a:t>Partaners</a:t>
             </a:r>
-            <a:endParaRPr b="0" lang="fr-BE" sz="1600" spc="-1" strike="noStrike">
+            <a:endParaRPr lang="fr-BE" sz="1600" b="0" strike="noStrike" spc="-1" dirty="0">
               <a:latin typeface="Arial"/>
             </a:endParaRPr>
           </a:p>
@@ -2128,30 +2639,7 @@
       </p:sp>
       <p:pic>
         <p:nvPicPr>
-          <p:cNvPr id="49" name="Image 10" descr=""/>
-          <p:cNvPicPr/>
-          <p:nvPr/>
-        </p:nvPicPr>
-        <p:blipFill>
-          <a:blip r:embed="rId1"/>
-          <a:stretch/>
-        </p:blipFill>
-        <p:spPr>
-          <a:xfrm>
-            <a:off x="4752000" y="2160000"/>
-            <a:ext cx="1829160" cy="469080"/>
-          </a:xfrm>
-          <a:prstGeom prst="rect">
-            <a:avLst/>
-          </a:prstGeom>
-          <a:ln w="0">
-            <a:noFill/>
-          </a:ln>
-        </p:spPr>
-      </p:pic>
-      <p:pic>
-        <p:nvPicPr>
-          <p:cNvPr id="50" name="Image 11" descr=""/>
+          <p:cNvPr id="49" name="Image 10"/>
           <p:cNvPicPr/>
           <p:nvPr/>
         </p:nvPicPr>
@@ -2161,8 +2649,8 @@
         </p:blipFill>
         <p:spPr>
           <a:xfrm>
-            <a:off x="1393560" y="2068920"/>
-            <a:ext cx="1460160" cy="476640"/>
+            <a:off x="4752000" y="2160000"/>
+            <a:ext cx="1829160" cy="469080"/>
           </a:xfrm>
           <a:prstGeom prst="rect">
             <a:avLst/>
@@ -2174,7 +2662,7 @@
       </p:pic>
       <p:pic>
         <p:nvPicPr>
-          <p:cNvPr id="51" name="Image 37" descr=""/>
+          <p:cNvPr id="50" name="Image 11"/>
           <p:cNvPicPr/>
           <p:nvPr/>
         </p:nvPicPr>
@@ -2184,8 +2672,8 @@
         </p:blipFill>
         <p:spPr>
           <a:xfrm>
-            <a:off x="3778200" y="4485240"/>
-            <a:ext cx="1337760" cy="365760"/>
+            <a:off x="1393560" y="2068920"/>
+            <a:ext cx="1460160" cy="476640"/>
           </a:xfrm>
           <a:prstGeom prst="rect">
             <a:avLst/>
@@ -2197,7 +2685,7 @@
       </p:pic>
       <p:pic>
         <p:nvPicPr>
-          <p:cNvPr id="52" name="Image 39" descr=""/>
+          <p:cNvPr id="51" name="Image 37"/>
           <p:cNvPicPr/>
           <p:nvPr/>
         </p:nvPicPr>
@@ -2207,8 +2695,8 @@
         </p:blipFill>
         <p:spPr>
           <a:xfrm>
-            <a:off x="6173640" y="2808000"/>
-            <a:ext cx="1925640" cy="476640"/>
+            <a:off x="3778200" y="4485240"/>
+            <a:ext cx="1337760" cy="365760"/>
           </a:xfrm>
           <a:prstGeom prst="rect">
             <a:avLst/>
@@ -2220,7 +2708,7 @@
       </p:pic>
       <p:pic>
         <p:nvPicPr>
-          <p:cNvPr id="53" name="Image 40" descr=""/>
+          <p:cNvPr id="52" name="Image 39"/>
           <p:cNvPicPr/>
           <p:nvPr/>
         </p:nvPicPr>
@@ -2230,8 +2718,8 @@
         </p:blipFill>
         <p:spPr>
           <a:xfrm>
-            <a:off x="3571920" y="3724200"/>
-            <a:ext cx="1750680" cy="343440"/>
+            <a:off x="6173640" y="2808000"/>
+            <a:ext cx="1925640" cy="476640"/>
           </a:xfrm>
           <a:prstGeom prst="rect">
             <a:avLst/>
@@ -2243,7 +2731,7 @@
       </p:pic>
       <p:pic>
         <p:nvPicPr>
-          <p:cNvPr id="54" name="" descr=""/>
+          <p:cNvPr id="53" name="Image 40"/>
           <p:cNvPicPr/>
           <p:nvPr/>
         </p:nvPicPr>
@@ -2253,8 +2741,8 @@
         </p:blipFill>
         <p:spPr>
           <a:xfrm>
-            <a:off x="1080000" y="1069560"/>
-            <a:ext cx="3116880" cy="801720"/>
+            <a:off x="3571920" y="3724200"/>
+            <a:ext cx="1750680" cy="343440"/>
           </a:xfrm>
           <a:prstGeom prst="rect">
             <a:avLst/>
@@ -2266,7 +2754,7 @@
       </p:pic>
       <p:pic>
         <p:nvPicPr>
-          <p:cNvPr id="55" name="" descr=""/>
+          <p:cNvPr id="54" name="Picture 53"/>
           <p:cNvPicPr/>
           <p:nvPr/>
         </p:nvPicPr>
@@ -2276,8 +2764,8 @@
         </p:blipFill>
         <p:spPr>
           <a:xfrm>
-            <a:off x="3189600" y="2542680"/>
-            <a:ext cx="913680" cy="913680"/>
+            <a:off x="1080000" y="1069560"/>
+            <a:ext cx="3116880" cy="801720"/>
           </a:xfrm>
           <a:prstGeom prst="rect">
             <a:avLst/>
@@ -2289,7 +2777,7 @@
       </p:pic>
       <p:pic>
         <p:nvPicPr>
-          <p:cNvPr id="56" name="" descr=""/>
+          <p:cNvPr id="55" name="Picture 54"/>
           <p:cNvPicPr/>
           <p:nvPr/>
         </p:nvPicPr>
@@ -2299,8 +2787,8 @@
         </p:blipFill>
         <p:spPr>
           <a:xfrm>
-            <a:off x="1379520" y="4392000"/>
-            <a:ext cx="1427760" cy="613440"/>
+            <a:off x="3189600" y="2542680"/>
+            <a:ext cx="913680" cy="913680"/>
           </a:xfrm>
           <a:prstGeom prst="rect">
             <a:avLst/>
@@ -2312,7 +2800,7 @@
       </p:pic>
       <p:pic>
         <p:nvPicPr>
-          <p:cNvPr id="57" name="" descr=""/>
+          <p:cNvPr id="56" name="Picture 55"/>
           <p:cNvPicPr/>
           <p:nvPr/>
         </p:nvPicPr>
@@ -2322,8 +2810,8 @@
         </p:blipFill>
         <p:spPr>
           <a:xfrm>
-            <a:off x="6048000" y="4246200"/>
-            <a:ext cx="2015280" cy="864360"/>
+            <a:off x="1379520" y="4392000"/>
+            <a:ext cx="1427760" cy="613440"/>
           </a:xfrm>
           <a:prstGeom prst="rect">
             <a:avLst/>
@@ -2335,7 +2823,7 @@
       </p:pic>
       <p:pic>
         <p:nvPicPr>
-          <p:cNvPr id="58" name="" descr=""/>
+          <p:cNvPr id="57" name="Picture 56"/>
           <p:cNvPicPr/>
           <p:nvPr/>
         </p:nvPicPr>
@@ -2345,8 +2833,8 @@
         </p:blipFill>
         <p:spPr>
           <a:xfrm>
-            <a:off x="4824000" y="1152000"/>
-            <a:ext cx="3960000" cy="681840"/>
+            <a:off x="6048000" y="4246200"/>
+            <a:ext cx="2015280" cy="864360"/>
           </a:xfrm>
           <a:prstGeom prst="rect">
             <a:avLst/>
@@ -2356,21 +2844,58 @@
           </a:ln>
         </p:spPr>
       </p:pic>
+      <p:pic>
+        <p:nvPicPr>
+          <p:cNvPr id="58" name="Picture 57"/>
+          <p:cNvPicPr/>
+          <p:nvPr/>
+        </p:nvPicPr>
+        <p:blipFill>
+          <a:blip r:embed="rId11"/>
+          <a:stretch/>
+        </p:blipFill>
+        <p:spPr>
+          <a:xfrm>
+            <a:off x="4824000" y="1152000"/>
+            <a:ext cx="3960000" cy="681840"/>
+          </a:xfrm>
+          <a:prstGeom prst="rect">
+            <a:avLst/>
+          </a:prstGeom>
+          <a:ln w="0">
+            <a:noFill/>
+          </a:ln>
+        </p:spPr>
+      </p:pic>
     </p:spTree>
   </p:cSld>
-  <mc:AlternateContent>
+  <p:clrMapOvr>
+    <a:masterClrMapping/>
+  </p:clrMapOvr>
+  <mc:AlternateContent xmlns:mc="http://schemas.openxmlformats.org/markup-compatibility/2006" xmlns:p14="http://schemas.microsoft.com/office/powerpoint/2010/main">
     <mc:Choice Requires="p14">
-      <p:transition spd="slow" p14:dur="2000"/>
+      <p:transition spd="slow" p14:dur="900">
+        <p14:warp dir="in"/>
+      </p:transition>
     </mc:Choice>
-    <mc:Fallback>
-      <p:transition spd="slow"/>
+    <mc:Fallback xmlns="">
+      <p:transition spd="slow">
+        <p:fade/>
+      </p:transition>
     </mc:Fallback>
   </mc:AlternateContent>
+  <p:timing>
+    <p:tnLst>
+      <p:par>
+        <p:cTn id="1" dur="indefinite" restart="never" nodeType="tmRoot"/>
+      </p:par>
+    </p:tnLst>
+  </p:timing>
 </p:sld>
 </file>
 
 <file path=ppt/slides/slide3.xml><?xml version="1.0" encoding="utf-8"?>
-<p:sld xmlns:a="http://schemas.openxmlformats.org/drawingml/2006/main" xmlns:p="http://schemas.openxmlformats.org/presentationml/2006/main" xmlns:r="http://schemas.openxmlformats.org/officeDocument/2006/relationships" xmlns:p14="http://schemas.microsoft.com/office/powerpoint/2010/main" xmlns:p15="http://schemas.microsoft.com/office/powerpoint/2012/main" xmlns:mc="http://schemas.openxmlformats.org/markup-compatibility/2006">
+<p:sld xmlns:a="http://schemas.openxmlformats.org/drawingml/2006/main" xmlns:r="http://schemas.openxmlformats.org/officeDocument/2006/relationships" xmlns:p="http://schemas.openxmlformats.org/presentationml/2006/main">
   <p:cSld>
     <p:spTree>
       <p:nvGrpSpPr>
@@ -2406,15 +2931,22 @@
           </a:ln>
         </p:spPr>
         <p:style>
-          <a:lnRef idx="0"/>
-          <a:fillRef idx="0"/>
-          <a:effectRef idx="0"/>
+          <a:lnRef idx="0">
+            <a:scrgbClr r="0" g="0" b="0"/>
+          </a:lnRef>
+          <a:fillRef idx="0">
+            <a:scrgbClr r="0" g="0" b="0"/>
+          </a:fillRef>
+          <a:effectRef idx="0">
+            <a:scrgbClr r="0" g="0" b="0"/>
+          </a:effectRef>
           <a:fontRef idx="minor"/>
         </p:style>
         <p:txBody>
-          <a:bodyPr lIns="90000" rIns="90000" tIns="45000" bIns="45000">
+          <a:bodyPr lIns="90000" tIns="45000" rIns="90000" bIns="45000">
             <a:spAutoFit/>
           </a:bodyPr>
+          <a:lstStyle/>
           <a:p>
             <a:pPr algn="ctr">
               <a:lnSpc>
@@ -2422,16 +2954,16 @@
               </a:lnSpc>
             </a:pPr>
             <a:r>
-              <a:rPr b="1" lang="fr-FR" sz="6600" spc="-1" strike="noStrike">
+              <a:rPr lang="fr-FR" sz="6600" b="1" strike="noStrike" spc="-1">
                 <a:solidFill>
-                  <a:srgbClr val="ffffff"/>
+                  <a:srgbClr val="FFFFFF"/>
                 </a:solidFill>
                 <a:latin typeface="Arial Narrow"/>
                 <a:ea typeface="DejaVu Sans"/>
               </a:rPr>
               <a:t>presents</a:t>
             </a:r>
-            <a:endParaRPr b="0" lang="fr-BE" sz="6600" spc="-1" strike="noStrike">
+            <a:endParaRPr lang="fr-BE" sz="6600" b="0" strike="noStrike" spc="-1">
               <a:latin typeface="Arial"/>
             </a:endParaRPr>
           </a:p>
@@ -2439,14 +2971,28 @@
       </p:sp>
     </p:spTree>
   </p:cSld>
-  <mc:AlternateContent>
+  <p:clrMapOvr>
+    <a:masterClrMapping/>
+  </p:clrMapOvr>
+  <mc:AlternateContent xmlns:mc="http://schemas.openxmlformats.org/markup-compatibility/2006" xmlns:p14="http://schemas.microsoft.com/office/powerpoint/2010/main">
     <mc:Choice Requires="p14">
-      <p:transition spd="slow" p14:dur="2000"/>
+      <p:transition spd="slow" p14:dur="900">
+        <p14:warp dir="in"/>
+      </p:transition>
     </mc:Choice>
-    <mc:Fallback>
-      <p:transition spd="slow"/>
+    <mc:Fallback xmlns="">
+      <p:transition spd="slow">
+        <p:fade/>
+      </p:transition>
     </mc:Fallback>
   </mc:AlternateContent>
+  <p:timing>
+    <p:tnLst>
+      <p:par>
+        <p:cTn id="1" dur="indefinite" restart="never" nodeType="tmRoot"/>
+      </p:par>
+    </p:tnLst>
+  </p:timing>
 </p:sld>
 </file>
 
@@ -2461,31 +3007,31 @@
         <a:sysClr val="window" lastClr="FFFFFF"/>
       </a:lt1>
       <a:dk2>
-        <a:srgbClr val="1f497d"/>
+        <a:srgbClr val="1F497D"/>
       </a:dk2>
       <a:lt2>
-        <a:srgbClr val="eeece1"/>
+        <a:srgbClr val="EEECE1"/>
       </a:lt2>
       <a:accent1>
-        <a:srgbClr val="4f81bd"/>
+        <a:srgbClr val="4F81BD"/>
       </a:accent1>
       <a:accent2>
-        <a:srgbClr val="c0504d"/>
+        <a:srgbClr val="C0504D"/>
       </a:accent2>
       <a:accent3>
-        <a:srgbClr val="9bbb59"/>
+        <a:srgbClr val="9BBB59"/>
       </a:accent3>
       <a:accent4>
-        <a:srgbClr val="8064a2"/>
+        <a:srgbClr val="8064A2"/>
       </a:accent4>
       <a:accent5>
-        <a:srgbClr val="4bacc6"/>
+        <a:srgbClr val="4BACC6"/>
       </a:accent5>
       <a:accent6>
-        <a:srgbClr val="f79646"/>
+        <a:srgbClr val="F79646"/>
       </a:accent6>
       <a:hlink>
-        <a:srgbClr val="0000ff"/>
+        <a:srgbClr val="0000FF"/>
       </a:hlink>
       <a:folHlink>
         <a:srgbClr val="800080"/>
@@ -2673,5 +3219,7 @@
       </a:bgFillStyleLst>
     </a:fmtScheme>
   </a:themeElements>
+  <a:objectDefaults/>
+  <a:extraClrSchemeLst/>
 </a:theme>
 </file>